--- a/docs/Graphs.pptx
+++ b/docs/Graphs.pptx
@@ -5,8 +5,9 @@
     <p:sldMasterId id="2147483648" r:id="rId1"/>
   </p:sldMasterIdLst>
   <p:sldIdLst>
-    <p:sldId id="257" r:id="rId2"/>
-    <p:sldId id="258" r:id="rId3"/>
+    <p:sldId id="259" r:id="rId2"/>
+    <p:sldId id="257" r:id="rId3"/>
+    <p:sldId id="258" r:id="rId4"/>
   </p:sldIdLst>
   <p:sldSz cx="12192000" cy="6858000"/>
   <p:notesSz cx="6858000" cy="9144000"/>
@@ -105,6 +106,11 @@
       </a:defRPr>
     </a:lvl9pPr>
   </p:defaultTextStyle>
+  <p:extLst>
+    <p:ext uri="{EFAFB233-063F-42B5-8137-9DF3F51BA10A}">
+      <p15:sldGuideLst xmlns:p15="http://schemas.microsoft.com/office/powerpoint/2012/main"/>
+    </p:ext>
+  </p:extLst>
 </p:presentation>
 </file>
 
@@ -257,7 +263,7 @@
           <a:p>
             <a:fld id="{9EEF41EB-6AB7-4083-A820-46105B7FB230}" type="datetimeFigureOut">
               <a:rPr lang="en-GB" smtClean="0"/>
-              <a:t>26/12/2021</a:t>
+              <a:t>27/12/2021</a:t>
             </a:fld>
             <a:endParaRPr lang="en-GB"/>
           </a:p>
@@ -457,7 +463,7 @@
           <a:p>
             <a:fld id="{9EEF41EB-6AB7-4083-A820-46105B7FB230}" type="datetimeFigureOut">
               <a:rPr lang="en-GB" smtClean="0"/>
-              <a:t>26/12/2021</a:t>
+              <a:t>27/12/2021</a:t>
             </a:fld>
             <a:endParaRPr lang="en-GB"/>
           </a:p>
@@ -667,7 +673,7 @@
           <a:p>
             <a:fld id="{9EEF41EB-6AB7-4083-A820-46105B7FB230}" type="datetimeFigureOut">
               <a:rPr lang="en-GB" smtClean="0"/>
-              <a:t>26/12/2021</a:t>
+              <a:t>27/12/2021</a:t>
             </a:fld>
             <a:endParaRPr lang="en-GB"/>
           </a:p>
@@ -867,7 +873,7 @@
           <a:p>
             <a:fld id="{9EEF41EB-6AB7-4083-A820-46105B7FB230}" type="datetimeFigureOut">
               <a:rPr lang="en-GB" smtClean="0"/>
-              <a:t>26/12/2021</a:t>
+              <a:t>27/12/2021</a:t>
             </a:fld>
             <a:endParaRPr lang="en-GB"/>
           </a:p>
@@ -1143,7 +1149,7 @@
           <a:p>
             <a:fld id="{9EEF41EB-6AB7-4083-A820-46105B7FB230}" type="datetimeFigureOut">
               <a:rPr lang="en-GB" smtClean="0"/>
-              <a:t>26/12/2021</a:t>
+              <a:t>27/12/2021</a:t>
             </a:fld>
             <a:endParaRPr lang="en-GB"/>
           </a:p>
@@ -1411,7 +1417,7 @@
           <a:p>
             <a:fld id="{9EEF41EB-6AB7-4083-A820-46105B7FB230}" type="datetimeFigureOut">
               <a:rPr lang="en-GB" smtClean="0"/>
-              <a:t>26/12/2021</a:t>
+              <a:t>27/12/2021</a:t>
             </a:fld>
             <a:endParaRPr lang="en-GB"/>
           </a:p>
@@ -1826,7 +1832,7 @@
           <a:p>
             <a:fld id="{9EEF41EB-6AB7-4083-A820-46105B7FB230}" type="datetimeFigureOut">
               <a:rPr lang="en-GB" smtClean="0"/>
-              <a:t>26/12/2021</a:t>
+              <a:t>27/12/2021</a:t>
             </a:fld>
             <a:endParaRPr lang="en-GB"/>
           </a:p>
@@ -1968,7 +1974,7 @@
           <a:p>
             <a:fld id="{9EEF41EB-6AB7-4083-A820-46105B7FB230}" type="datetimeFigureOut">
               <a:rPr lang="en-GB" smtClean="0"/>
-              <a:t>26/12/2021</a:t>
+              <a:t>27/12/2021</a:t>
             </a:fld>
             <a:endParaRPr lang="en-GB"/>
           </a:p>
@@ -2081,7 +2087,7 @@
           <a:p>
             <a:fld id="{9EEF41EB-6AB7-4083-A820-46105B7FB230}" type="datetimeFigureOut">
               <a:rPr lang="en-GB" smtClean="0"/>
-              <a:t>26/12/2021</a:t>
+              <a:t>27/12/2021</a:t>
             </a:fld>
             <a:endParaRPr lang="en-GB"/>
           </a:p>
@@ -2394,7 +2400,7 @@
           <a:p>
             <a:fld id="{9EEF41EB-6AB7-4083-A820-46105B7FB230}" type="datetimeFigureOut">
               <a:rPr lang="en-GB" smtClean="0"/>
-              <a:t>26/12/2021</a:t>
+              <a:t>27/12/2021</a:t>
             </a:fld>
             <a:endParaRPr lang="en-GB"/>
           </a:p>
@@ -2683,7 +2689,7 @@
           <a:p>
             <a:fld id="{9EEF41EB-6AB7-4083-A820-46105B7FB230}" type="datetimeFigureOut">
               <a:rPr lang="en-GB" smtClean="0"/>
-              <a:t>26/12/2021</a:t>
+              <a:t>27/12/2021</a:t>
             </a:fld>
             <a:endParaRPr lang="en-GB"/>
           </a:p>
@@ -2926,7 +2932,7 @@
           <a:p>
             <a:fld id="{9EEF41EB-6AB7-4083-A820-46105B7FB230}" type="datetimeFigureOut">
               <a:rPr lang="en-GB" smtClean="0"/>
-              <a:t>26/12/2021</a:t>
+              <a:t>27/12/2021</a:t>
             </a:fld>
             <a:endParaRPr lang="en-GB"/>
           </a:p>
@@ -3348,7 +3354,7 @@
           <p:cNvPr id="2" name="Oval 1">
             <a:extLst>
               <a:ext uri="{FF2B5EF4-FFF2-40B4-BE49-F238E27FC236}">
-                <a16:creationId xmlns:a16="http://schemas.microsoft.com/office/drawing/2014/main" id="{8AAA5170-3C8A-4E47-BA7B-E246FA625A79}"/>
+                <a16:creationId xmlns:a16="http://schemas.microsoft.com/office/drawing/2014/main" id="{2D957599-B867-4596-A8BC-97DD48204A19}"/>
               </a:ext>
             </a:extLst>
           </p:cNvPr>
@@ -3357,7 +3363,7 @@
         </p:nvSpPr>
         <p:spPr>
           <a:xfrm>
-            <a:off x="2155370" y="2486608"/>
+            <a:off x="2680995" y="1323393"/>
             <a:ext cx="774441" cy="737118"/>
           </a:xfrm>
           <a:prstGeom prst="ellipse">
@@ -3398,7 +3404,7 @@
           <p:cNvPr id="3" name="Oval 2">
             <a:extLst>
               <a:ext uri="{FF2B5EF4-FFF2-40B4-BE49-F238E27FC236}">
-                <a16:creationId xmlns:a16="http://schemas.microsoft.com/office/drawing/2014/main" id="{E4411772-74AE-48CE-8745-20C64B7B76B7}"/>
+                <a16:creationId xmlns:a16="http://schemas.microsoft.com/office/drawing/2014/main" id="{BE0D0C99-19E7-4607-98E3-AAD036599F48}"/>
               </a:ext>
             </a:extLst>
           </p:cNvPr>
@@ -3407,7 +3413,7 @@
         </p:nvSpPr>
         <p:spPr>
           <a:xfrm>
-            <a:off x="5274905" y="2486608"/>
+            <a:off x="1172546" y="3452327"/>
             <a:ext cx="774441" cy="737118"/>
           </a:xfrm>
           <a:prstGeom prst="ellipse">
@@ -3448,7 +3454,7 @@
           <p:cNvPr id="4" name="Oval 3">
             <a:extLst>
               <a:ext uri="{FF2B5EF4-FFF2-40B4-BE49-F238E27FC236}">
-                <a16:creationId xmlns:a16="http://schemas.microsoft.com/office/drawing/2014/main" id="{23BE109D-CFA6-496F-9175-DD4716E24F8D}"/>
+                <a16:creationId xmlns:a16="http://schemas.microsoft.com/office/drawing/2014/main" id="{70087BEE-5E20-4EE3-80F5-B4AF90ED77BA}"/>
               </a:ext>
             </a:extLst>
           </p:cNvPr>
@@ -3457,7 +3463,7 @@
         </p:nvSpPr>
         <p:spPr>
           <a:xfrm>
-            <a:off x="8643256" y="2458616"/>
+            <a:off x="4320072" y="3452327"/>
             <a:ext cx="774441" cy="737118"/>
           </a:xfrm>
           <a:prstGeom prst="ellipse">
@@ -3493,166 +3499,30 @@
           </a:p>
         </p:txBody>
       </p:sp>
-      <p:sp>
-        <p:nvSpPr>
-          <p:cNvPr id="5" name="Oval 4">
-            <a:extLst>
-              <a:ext uri="{FF2B5EF4-FFF2-40B4-BE49-F238E27FC236}">
-                <a16:creationId xmlns:a16="http://schemas.microsoft.com/office/drawing/2014/main" id="{06F4D6F1-4E40-4963-8108-AA617F86D5B7}"/>
-              </a:ext>
-            </a:extLst>
-          </p:cNvPr>
-          <p:cNvSpPr/>
-          <p:nvPr/>
-        </p:nvSpPr>
-        <p:spPr>
-          <a:xfrm>
-            <a:off x="8643256" y="5083628"/>
-            <a:ext cx="774441" cy="737118"/>
-          </a:xfrm>
-          <a:prstGeom prst="ellipse">
-            <a:avLst/>
-          </a:prstGeom>
-        </p:spPr>
-        <p:style>
-          <a:lnRef idx="2">
-            <a:schemeClr val="accent1">
-              <a:shade val="50000"/>
-            </a:schemeClr>
-          </a:lnRef>
-          <a:fillRef idx="1">
-            <a:schemeClr val="accent1"/>
-          </a:fillRef>
-          <a:effectRef idx="0">
-            <a:schemeClr val="accent1"/>
-          </a:effectRef>
-          <a:fontRef idx="minor">
-            <a:schemeClr val="lt1"/>
-          </a:fontRef>
-        </p:style>
-        <p:txBody>
-          <a:bodyPr rtlCol="0" anchor="ctr"/>
-          <a:lstStyle/>
-          <a:p>
-            <a:pPr algn="ctr"/>
-            <a:r>
-              <a:rPr lang="en-US" dirty="0"/>
-              <a:t>D</a:t>
-            </a:r>
-            <a:endParaRPr lang="en-GB" dirty="0"/>
-          </a:p>
-        </p:txBody>
-      </p:sp>
-      <p:sp>
-        <p:nvSpPr>
-          <p:cNvPr id="6" name="Oval 5">
-            <a:extLst>
-              <a:ext uri="{FF2B5EF4-FFF2-40B4-BE49-F238E27FC236}">
-                <a16:creationId xmlns:a16="http://schemas.microsoft.com/office/drawing/2014/main" id="{5122A4B7-C2D4-445A-A952-E3C0F3F6A264}"/>
-              </a:ext>
-            </a:extLst>
-          </p:cNvPr>
-          <p:cNvSpPr/>
-          <p:nvPr/>
-        </p:nvSpPr>
-        <p:spPr>
-          <a:xfrm>
-            <a:off x="5274904" y="5083628"/>
-            <a:ext cx="774441" cy="737118"/>
-          </a:xfrm>
-          <a:prstGeom prst="ellipse">
-            <a:avLst/>
-          </a:prstGeom>
-        </p:spPr>
-        <p:style>
-          <a:lnRef idx="2">
-            <a:schemeClr val="accent1">
-              <a:shade val="50000"/>
-            </a:schemeClr>
-          </a:lnRef>
-          <a:fillRef idx="1">
-            <a:schemeClr val="accent1"/>
-          </a:fillRef>
-          <a:effectRef idx="0">
-            <a:schemeClr val="accent1"/>
-          </a:effectRef>
-          <a:fontRef idx="minor">
-            <a:schemeClr val="lt1"/>
-          </a:fontRef>
-        </p:style>
-        <p:txBody>
-          <a:bodyPr rtlCol="0" anchor="ctr"/>
-          <a:lstStyle/>
-          <a:p>
-            <a:pPr algn="ctr"/>
-            <a:r>
-              <a:rPr lang="en-US" dirty="0"/>
-              <a:t>E</a:t>
-            </a:r>
-            <a:endParaRPr lang="en-GB" dirty="0"/>
-          </a:p>
-        </p:txBody>
-      </p:sp>
-      <p:sp>
-        <p:nvSpPr>
-          <p:cNvPr id="11" name="TextBox 10">
-            <a:extLst>
-              <a:ext uri="{FF2B5EF4-FFF2-40B4-BE49-F238E27FC236}">
-                <a16:creationId xmlns:a16="http://schemas.microsoft.com/office/drawing/2014/main" id="{353D54D1-908F-4A04-850D-8D1A6A64756C}"/>
-              </a:ext>
-            </a:extLst>
-          </p:cNvPr>
-          <p:cNvSpPr txBox="1"/>
-          <p:nvPr/>
-        </p:nvSpPr>
-        <p:spPr>
-          <a:xfrm>
-            <a:off x="3913681" y="2486608"/>
-            <a:ext cx="301686" cy="369332"/>
-          </a:xfrm>
-          <a:prstGeom prst="rect">
-            <a:avLst/>
-          </a:prstGeom>
-          <a:noFill/>
-        </p:spPr>
-        <p:txBody>
-          <a:bodyPr wrap="none" rtlCol="0">
-            <a:spAutoFit/>
-          </a:bodyPr>
-          <a:lstStyle/>
-          <a:p>
-            <a:r>
-              <a:rPr lang="en-US" dirty="0"/>
-              <a:t>5</a:t>
-            </a:r>
-            <a:endParaRPr lang="en-GB" dirty="0"/>
-          </a:p>
-        </p:txBody>
-      </p:sp>
       <p:cxnSp>
         <p:nvCxnSpPr>
-          <p:cNvPr id="14" name="Connector: Curved 13" descr="5">
-            <a:extLst>
-              <a:ext uri="{FF2B5EF4-FFF2-40B4-BE49-F238E27FC236}">
-                <a16:creationId xmlns:a16="http://schemas.microsoft.com/office/drawing/2014/main" id="{72B4DA24-D8BE-4752-B616-1586155E4AB1}"/>
+          <p:cNvPr id="6" name="Connector: Curved 5">
+            <a:extLst>
+              <a:ext uri="{FF2B5EF4-FFF2-40B4-BE49-F238E27FC236}">
+                <a16:creationId xmlns:a16="http://schemas.microsoft.com/office/drawing/2014/main" id="{4189B5FB-7FDB-4435-8FAE-5AAA5776E0B7}"/>
               </a:ext>
             </a:extLst>
           </p:cNvPr>
           <p:cNvCxnSpPr>
             <a:cxnSpLocks/>
-            <a:stCxn id="3" idx="7"/>
+            <a:stCxn id="2" idx="5"/>
             <a:endCxn id="4" idx="1"/>
           </p:cNvCxnSpPr>
           <p:nvPr/>
         </p:nvCxnSpPr>
         <p:spPr>
-          <a:xfrm rot="5400000" flipH="1" flipV="1">
-            <a:off x="7332305" y="1170191"/>
-            <a:ext cx="27992" cy="2820738"/>
+          <a:xfrm rot="16200000" flipH="1">
+            <a:off x="3083898" y="2210687"/>
+            <a:ext cx="1607712" cy="1091464"/>
           </a:xfrm>
           <a:prstGeom prst="curvedConnector3">
             <a:avLst>
-              <a:gd name="adj1" fmla="val 1302301"/>
+              <a:gd name="adj1" fmla="val 50000"/>
             </a:avLst>
           </a:prstGeom>
           <a:ln>
@@ -3676,28 +3546,26 @@
       </p:cxnSp>
       <p:cxnSp>
         <p:nvCxnSpPr>
-          <p:cNvPr id="22" name="Connector: Curved 21">
-            <a:extLst>
-              <a:ext uri="{FF2B5EF4-FFF2-40B4-BE49-F238E27FC236}">
-                <a16:creationId xmlns:a16="http://schemas.microsoft.com/office/drawing/2014/main" id="{5393EE25-B155-4018-B3D9-B335766D12ED}"/>
+          <p:cNvPr id="8" name="Connector: Curved 7">
+            <a:extLst>
+              <a:ext uri="{FF2B5EF4-FFF2-40B4-BE49-F238E27FC236}">
+                <a16:creationId xmlns:a16="http://schemas.microsoft.com/office/drawing/2014/main" id="{C2284574-CC1E-4F15-9C30-28683ACB6F19}"/>
               </a:ext>
             </a:extLst>
           </p:cNvPr>
           <p:cNvCxnSpPr>
-            <a:stCxn id="4" idx="3"/>
-            <a:endCxn id="3" idx="5"/>
+            <a:stCxn id="4" idx="0"/>
+            <a:endCxn id="2" idx="6"/>
           </p:cNvCxnSpPr>
           <p:nvPr/>
         </p:nvCxnSpPr>
         <p:spPr>
-          <a:xfrm rot="5400000">
-            <a:off x="7332305" y="1691413"/>
-            <a:ext cx="27992" cy="2820738"/>
-          </a:xfrm>
-          <a:prstGeom prst="curvedConnector3">
-            <a:avLst>
-              <a:gd name="adj1" fmla="val 1302301"/>
-            </a:avLst>
+          <a:xfrm rot="16200000" flipV="1">
+            <a:off x="3201178" y="1946211"/>
+            <a:ext cx="1760375" cy="1251857"/>
+          </a:xfrm>
+          <a:prstGeom prst="curvedConnector2">
+            <a:avLst/>
           </a:prstGeom>
           <a:ln>
             <a:tailEnd type="triangle"/>
@@ -3720,29 +3588,30 @@
       </p:cxnSp>
       <p:cxnSp>
         <p:nvCxnSpPr>
-          <p:cNvPr id="24" name="Straight Arrow Connector 23">
-            <a:extLst>
-              <a:ext uri="{FF2B5EF4-FFF2-40B4-BE49-F238E27FC236}">
-                <a16:creationId xmlns:a16="http://schemas.microsoft.com/office/drawing/2014/main" id="{6E602087-4A5A-4670-ADD9-42AF72EFB174}"/>
+          <p:cNvPr id="10" name="Connector: Curved 9">
+            <a:extLst>
+              <a:ext uri="{FF2B5EF4-FFF2-40B4-BE49-F238E27FC236}">
+                <a16:creationId xmlns:a16="http://schemas.microsoft.com/office/drawing/2014/main" id="{94BC2CBD-AE89-4FE7-9528-BA4CDCCED225}"/>
               </a:ext>
             </a:extLst>
           </p:cNvPr>
           <p:cNvCxnSpPr>
-            <a:stCxn id="4" idx="4"/>
-            <a:endCxn id="5" idx="0"/>
+            <a:stCxn id="2" idx="2"/>
+            <a:endCxn id="3" idx="1"/>
           </p:cNvCxnSpPr>
           <p:nvPr/>
         </p:nvCxnSpPr>
         <p:spPr>
-          <a:xfrm>
-            <a:off x="9030477" y="3195734"/>
-            <a:ext cx="0" cy="1887894"/>
-          </a:xfrm>
-          <a:prstGeom prst="straightConnector1">
+          <a:xfrm rot="10800000" flipV="1">
+            <a:off x="1285961" y="1691951"/>
+            <a:ext cx="1395035" cy="1868323"/>
+          </a:xfrm>
+          <a:prstGeom prst="curvedConnector2">
             <a:avLst/>
           </a:prstGeom>
           <a:ln>
-            <a:tailEnd type="triangle"/>
+            <a:headEnd type="triangle" w="med" len="med"/>
+            <a:tailEnd type="none" w="med" len="med"/>
           </a:ln>
         </p:spPr>
         <p:style>
@@ -3762,26 +3631,29 @@
       </p:cxnSp>
       <p:cxnSp>
         <p:nvCxnSpPr>
-          <p:cNvPr id="26" name="Straight Arrow Connector 25">
-            <a:extLst>
-              <a:ext uri="{FF2B5EF4-FFF2-40B4-BE49-F238E27FC236}">
-                <a16:creationId xmlns:a16="http://schemas.microsoft.com/office/drawing/2014/main" id="{23C18D70-F8FD-4D6C-BC6C-215C8442F6B9}"/>
+          <p:cNvPr id="12" name="Connector: Curved 11">
+            <a:extLst>
+              <a:ext uri="{FF2B5EF4-FFF2-40B4-BE49-F238E27FC236}">
+                <a16:creationId xmlns:a16="http://schemas.microsoft.com/office/drawing/2014/main" id="{264DFB10-6EF9-4186-B62E-45759B2E110B}"/>
               </a:ext>
             </a:extLst>
           </p:cNvPr>
           <p:cNvCxnSpPr>
-            <a:stCxn id="5" idx="2"/>
-            <a:endCxn id="6" idx="6"/>
+            <a:cxnSpLocks/>
+            <a:stCxn id="2" idx="3"/>
+            <a:endCxn id="3" idx="0"/>
           </p:cNvCxnSpPr>
           <p:nvPr/>
         </p:nvCxnSpPr>
         <p:spPr>
-          <a:xfrm flipH="1">
-            <a:off x="6049345" y="5452187"/>
-            <a:ext cx="2593911" cy="0"/>
-          </a:xfrm>
-          <a:prstGeom prst="straightConnector1">
-            <a:avLst/>
+          <a:xfrm rot="5400000">
+            <a:off x="1427206" y="2085124"/>
+            <a:ext cx="1499764" cy="1234642"/>
+          </a:xfrm>
+          <a:prstGeom prst="curvedConnector3">
+            <a:avLst>
+              <a:gd name="adj1" fmla="val 50000"/>
+            </a:avLst>
           </a:prstGeom>
           <a:ln>
             <a:tailEnd type="triangle"/>
@@ -3804,26 +3676,28 @@
       </p:cxnSp>
       <p:cxnSp>
         <p:nvCxnSpPr>
-          <p:cNvPr id="28" name="Straight Arrow Connector 27">
-            <a:extLst>
-              <a:ext uri="{FF2B5EF4-FFF2-40B4-BE49-F238E27FC236}">
-                <a16:creationId xmlns:a16="http://schemas.microsoft.com/office/drawing/2014/main" id="{15EB104F-F0F4-491F-89F1-197D4BD14D19}"/>
+          <p:cNvPr id="16" name="Connector: Curved 15">
+            <a:extLst>
+              <a:ext uri="{FF2B5EF4-FFF2-40B4-BE49-F238E27FC236}">
+                <a16:creationId xmlns:a16="http://schemas.microsoft.com/office/drawing/2014/main" id="{9DB513B4-C4F4-4D0F-9651-B51608629818}"/>
               </a:ext>
             </a:extLst>
           </p:cNvPr>
           <p:cNvCxnSpPr>
-            <a:stCxn id="6" idx="0"/>
-            <a:endCxn id="3" idx="4"/>
+            <a:stCxn id="3" idx="4"/>
+            <a:endCxn id="4" idx="4"/>
           </p:cNvCxnSpPr>
           <p:nvPr/>
         </p:nvCxnSpPr>
         <p:spPr>
-          <a:xfrm flipV="1">
-            <a:off x="5662125" y="3223726"/>
-            <a:ext cx="1" cy="1859902"/>
-          </a:xfrm>
-          <a:prstGeom prst="straightConnector1">
-            <a:avLst/>
+          <a:xfrm rot="16200000" flipH="1">
+            <a:off x="3133530" y="2615682"/>
+            <a:ext cx="12700" cy="3147526"/>
+          </a:xfrm>
+          <a:prstGeom prst="curvedConnector3">
+            <a:avLst>
+              <a:gd name="adj1" fmla="val 7824488"/>
+            </a:avLst>
           </a:prstGeom>
           <a:ln>
             <a:tailEnd type="triangle"/>
@@ -3844,211 +3718,32 @@
           </a:fontRef>
         </p:style>
       </p:cxnSp>
-      <p:sp>
-        <p:nvSpPr>
-          <p:cNvPr id="29" name="TextBox 28">
-            <a:extLst>
-              <a:ext uri="{FF2B5EF4-FFF2-40B4-BE49-F238E27FC236}">
-                <a16:creationId xmlns:a16="http://schemas.microsoft.com/office/drawing/2014/main" id="{394067A8-832E-447F-9492-341916F2BEAE}"/>
-              </a:ext>
-            </a:extLst>
-          </p:cNvPr>
-          <p:cNvSpPr txBox="1"/>
-          <p:nvPr/>
-        </p:nvSpPr>
-        <p:spPr>
-          <a:xfrm>
-            <a:off x="5644370" y="3955015"/>
-            <a:ext cx="301686" cy="369332"/>
-          </a:xfrm>
-          <a:prstGeom prst="rect">
-            <a:avLst/>
-          </a:prstGeom>
-          <a:noFill/>
-        </p:spPr>
-        <p:txBody>
-          <a:bodyPr wrap="none" rtlCol="0">
-            <a:spAutoFit/>
-          </a:bodyPr>
-          <a:lstStyle/>
-          <a:p>
-            <a:r>
-              <a:rPr lang="en-US" dirty="0"/>
-              <a:t>5</a:t>
-            </a:r>
-            <a:endParaRPr lang="en-GB" dirty="0"/>
-          </a:p>
-        </p:txBody>
-      </p:sp>
-      <p:sp>
-        <p:nvSpPr>
-          <p:cNvPr id="30" name="TextBox 29">
-            <a:extLst>
-              <a:ext uri="{FF2B5EF4-FFF2-40B4-BE49-F238E27FC236}">
-                <a16:creationId xmlns:a16="http://schemas.microsoft.com/office/drawing/2014/main" id="{573AA4E6-4659-4B39-B67B-B851B7DFE6A5}"/>
-              </a:ext>
-            </a:extLst>
-          </p:cNvPr>
-          <p:cNvSpPr txBox="1"/>
-          <p:nvPr/>
-        </p:nvSpPr>
-        <p:spPr>
-          <a:xfrm>
-            <a:off x="9030476" y="3888146"/>
-            <a:ext cx="301686" cy="369332"/>
-          </a:xfrm>
-          <a:prstGeom prst="rect">
-            <a:avLst/>
-          </a:prstGeom>
-          <a:noFill/>
-        </p:spPr>
-        <p:txBody>
-          <a:bodyPr wrap="none" rtlCol="0">
-            <a:spAutoFit/>
-          </a:bodyPr>
-          <a:lstStyle/>
-          <a:p>
-            <a:r>
-              <a:rPr lang="en-US" dirty="0"/>
-              <a:t>5</a:t>
-            </a:r>
-            <a:endParaRPr lang="en-GB" dirty="0"/>
-          </a:p>
-        </p:txBody>
-      </p:sp>
-      <p:sp>
-        <p:nvSpPr>
-          <p:cNvPr id="31" name="TextBox 30">
-            <a:extLst>
-              <a:ext uri="{FF2B5EF4-FFF2-40B4-BE49-F238E27FC236}">
-                <a16:creationId xmlns:a16="http://schemas.microsoft.com/office/drawing/2014/main" id="{4602B37B-7AE5-4661-B920-C2F79E66C55A}"/>
-              </a:ext>
-            </a:extLst>
-          </p:cNvPr>
-          <p:cNvSpPr txBox="1"/>
-          <p:nvPr/>
-        </p:nvSpPr>
-        <p:spPr>
-          <a:xfrm>
-            <a:off x="7301076" y="5083628"/>
-            <a:ext cx="301686" cy="369332"/>
-          </a:xfrm>
-          <a:prstGeom prst="rect">
-            <a:avLst/>
-          </a:prstGeom>
-          <a:noFill/>
-        </p:spPr>
-        <p:txBody>
-          <a:bodyPr wrap="none" rtlCol="0">
-            <a:spAutoFit/>
-          </a:bodyPr>
-          <a:lstStyle/>
-          <a:p>
-            <a:r>
-              <a:rPr lang="en-US" dirty="0"/>
-              <a:t>5</a:t>
-            </a:r>
-            <a:endParaRPr lang="en-GB" dirty="0"/>
-          </a:p>
-        </p:txBody>
-      </p:sp>
-      <p:sp>
-        <p:nvSpPr>
-          <p:cNvPr id="32" name="TextBox 31">
-            <a:extLst>
-              <a:ext uri="{FF2B5EF4-FFF2-40B4-BE49-F238E27FC236}">
-                <a16:creationId xmlns:a16="http://schemas.microsoft.com/office/drawing/2014/main" id="{2F086594-D888-4C7A-BBF2-5A9F6F724EA9}"/>
-              </a:ext>
-            </a:extLst>
-          </p:cNvPr>
-          <p:cNvSpPr txBox="1"/>
-          <p:nvPr/>
-        </p:nvSpPr>
-        <p:spPr>
-          <a:xfrm>
-            <a:off x="7191702" y="1835030"/>
-            <a:ext cx="418704" cy="369332"/>
-          </a:xfrm>
-          <a:prstGeom prst="rect">
-            <a:avLst/>
-          </a:prstGeom>
-          <a:noFill/>
-        </p:spPr>
-        <p:txBody>
-          <a:bodyPr wrap="none" rtlCol="0">
-            <a:spAutoFit/>
-          </a:bodyPr>
-          <a:lstStyle/>
-          <a:p>
-            <a:r>
-              <a:rPr lang="en-US" dirty="0"/>
-              <a:t>10</a:t>
-            </a:r>
-            <a:endParaRPr lang="en-GB" dirty="0"/>
-          </a:p>
-        </p:txBody>
-      </p:sp>
-      <p:sp>
-        <p:nvSpPr>
-          <p:cNvPr id="33" name="TextBox 32">
-            <a:extLst>
-              <a:ext uri="{FF2B5EF4-FFF2-40B4-BE49-F238E27FC236}">
-                <a16:creationId xmlns:a16="http://schemas.microsoft.com/office/drawing/2014/main" id="{67868DE2-0D3A-47B2-A161-1EB5F41F5A37}"/>
-              </a:ext>
-            </a:extLst>
-          </p:cNvPr>
-          <p:cNvSpPr txBox="1"/>
-          <p:nvPr/>
-        </p:nvSpPr>
-        <p:spPr>
-          <a:xfrm>
-            <a:off x="7240682" y="3115778"/>
-            <a:ext cx="418704" cy="369332"/>
-          </a:xfrm>
-          <a:prstGeom prst="rect">
-            <a:avLst/>
-          </a:prstGeom>
-          <a:noFill/>
-        </p:spPr>
-        <p:txBody>
-          <a:bodyPr wrap="none" rtlCol="0">
-            <a:spAutoFit/>
-          </a:bodyPr>
-          <a:lstStyle/>
-          <a:p>
-            <a:r>
-              <a:rPr lang="en-US" dirty="0"/>
-              <a:t>20</a:t>
-            </a:r>
-            <a:endParaRPr lang="en-GB" dirty="0"/>
-          </a:p>
-        </p:txBody>
-      </p:sp>
       <p:cxnSp>
         <p:nvCxnSpPr>
-          <p:cNvPr id="35" name="Straight Arrow Connector 34">
-            <a:extLst>
-              <a:ext uri="{FF2B5EF4-FFF2-40B4-BE49-F238E27FC236}">
-                <a16:creationId xmlns:a16="http://schemas.microsoft.com/office/drawing/2014/main" id="{D8E1E9D4-69F3-4FE1-B9C4-079E43A131A3}"/>
+          <p:cNvPr id="19" name="Connector: Curved 18">
+            <a:extLst>
+              <a:ext uri="{FF2B5EF4-FFF2-40B4-BE49-F238E27FC236}">
+                <a16:creationId xmlns:a16="http://schemas.microsoft.com/office/drawing/2014/main" id="{C51B2421-944C-47AF-98A0-E87102DDC609}"/>
               </a:ext>
             </a:extLst>
           </p:cNvPr>
           <p:cNvCxnSpPr>
-            <a:stCxn id="3" idx="2"/>
-            <a:endCxn id="2" idx="6"/>
+            <a:stCxn id="4" idx="3"/>
+            <a:endCxn id="3" idx="5"/>
           </p:cNvCxnSpPr>
           <p:nvPr/>
         </p:nvCxnSpPr>
         <p:spPr>
-          <a:xfrm flipH="1">
-            <a:off x="2929811" y="2855167"/>
-            <a:ext cx="2345094" cy="0"/>
-          </a:xfrm>
-          <a:prstGeom prst="straightConnector1">
-            <a:avLst/>
+          <a:xfrm rot="5400000">
+            <a:off x="3133530" y="2781541"/>
+            <a:ext cx="12700" cy="2599913"/>
+          </a:xfrm>
+          <a:prstGeom prst="curvedConnector3">
+            <a:avLst>
+              <a:gd name="adj1" fmla="val 4633677"/>
+            </a:avLst>
           </a:prstGeom>
           <a:ln>
-            <a:headEnd type="triangle"/>
             <a:tailEnd type="triangle"/>
           </a:ln>
         </p:spPr>
@@ -4069,10 +3764,10 @@
       </p:cxnSp>
       <p:sp>
         <p:nvSpPr>
-          <p:cNvPr id="36" name="TextBox 35">
-            <a:extLst>
-              <a:ext uri="{FF2B5EF4-FFF2-40B4-BE49-F238E27FC236}">
-                <a16:creationId xmlns:a16="http://schemas.microsoft.com/office/drawing/2014/main" id="{DD96251F-D941-49ED-9825-2D5353A5D612}"/>
+          <p:cNvPr id="25" name="TextBox 24">
+            <a:extLst>
+              <a:ext uri="{FF2B5EF4-FFF2-40B4-BE49-F238E27FC236}">
+                <a16:creationId xmlns:a16="http://schemas.microsoft.com/office/drawing/2014/main" id="{081FF1FD-2B62-45B3-BD9A-EFD2D7581257}"/>
               </a:ext>
             </a:extLst>
           </p:cNvPr>
@@ -4081,8 +3776,8 @@
         </p:nvSpPr>
         <p:spPr>
           <a:xfrm>
-            <a:off x="4218185" y="523819"/>
-            <a:ext cx="2350387" cy="369332"/>
+            <a:off x="4320072" y="471342"/>
+            <a:ext cx="2063450" cy="369332"/>
           </a:xfrm>
           <a:prstGeom prst="rect">
             <a:avLst/>
@@ -4097,16 +3792,919 @@
           <a:p>
             <a:r>
               <a:rPr lang="en-US" dirty="0"/>
-              <a:t>Medium Graph Sample</a:t>
+              <a:t>Small Graph Sample</a:t>
             </a:r>
             <a:endParaRPr lang="en-GB" dirty="0"/>
           </a:p>
         </p:txBody>
       </p:sp>
+      <p:sp>
+        <p:nvSpPr>
+          <p:cNvPr id="26" name="TextBox 25">
+            <a:extLst>
+              <a:ext uri="{FF2B5EF4-FFF2-40B4-BE49-F238E27FC236}">
+                <a16:creationId xmlns:a16="http://schemas.microsoft.com/office/drawing/2014/main" id="{FA9BD87F-7928-409A-B755-7E96A3DE1DA0}"/>
+              </a:ext>
+            </a:extLst>
+          </p:cNvPr>
+          <p:cNvSpPr txBox="1"/>
+          <p:nvPr/>
+        </p:nvSpPr>
+        <p:spPr>
+          <a:xfrm>
+            <a:off x="4405607" y="2193933"/>
+            <a:ext cx="301686" cy="369332"/>
+          </a:xfrm>
+          <a:prstGeom prst="rect">
+            <a:avLst/>
+          </a:prstGeom>
+          <a:noFill/>
+        </p:spPr>
+        <p:txBody>
+          <a:bodyPr wrap="none" rtlCol="0">
+            <a:spAutoFit/>
+          </a:bodyPr>
+          <a:lstStyle/>
+          <a:p>
+            <a:r>
+              <a:rPr lang="en-US" dirty="0"/>
+              <a:t>1</a:t>
+            </a:r>
+            <a:endParaRPr lang="en-GB" dirty="0"/>
+          </a:p>
+        </p:txBody>
+      </p:sp>
+      <p:sp>
+        <p:nvSpPr>
+          <p:cNvPr id="27" name="TextBox 26">
+            <a:extLst>
+              <a:ext uri="{FF2B5EF4-FFF2-40B4-BE49-F238E27FC236}">
+                <a16:creationId xmlns:a16="http://schemas.microsoft.com/office/drawing/2014/main" id="{26855EEA-321C-4F08-8496-0476732AF272}"/>
+              </a:ext>
+            </a:extLst>
+          </p:cNvPr>
+          <p:cNvSpPr txBox="1"/>
+          <p:nvPr/>
+        </p:nvSpPr>
+        <p:spPr>
+          <a:xfrm>
+            <a:off x="3716593" y="2387086"/>
+            <a:ext cx="301686" cy="369332"/>
+          </a:xfrm>
+          <a:prstGeom prst="rect">
+            <a:avLst/>
+          </a:prstGeom>
+          <a:noFill/>
+        </p:spPr>
+        <p:txBody>
+          <a:bodyPr wrap="none" rtlCol="0">
+            <a:spAutoFit/>
+          </a:bodyPr>
+          <a:lstStyle/>
+          <a:p>
+            <a:r>
+              <a:rPr lang="en-US" dirty="0"/>
+              <a:t>2</a:t>
+            </a:r>
+            <a:endParaRPr lang="en-GB" dirty="0"/>
+          </a:p>
+        </p:txBody>
+      </p:sp>
+      <p:sp>
+        <p:nvSpPr>
+          <p:cNvPr id="28" name="TextBox 27">
+            <a:extLst>
+              <a:ext uri="{FF2B5EF4-FFF2-40B4-BE49-F238E27FC236}">
+                <a16:creationId xmlns:a16="http://schemas.microsoft.com/office/drawing/2014/main" id="{0653A32E-8A14-4554-A255-448DCBFFF459}"/>
+              </a:ext>
+            </a:extLst>
+          </p:cNvPr>
+          <p:cNvSpPr txBox="1"/>
+          <p:nvPr/>
+        </p:nvSpPr>
+        <p:spPr>
+          <a:xfrm>
+            <a:off x="1485125" y="2009267"/>
+            <a:ext cx="301686" cy="369332"/>
+          </a:xfrm>
+          <a:prstGeom prst="rect">
+            <a:avLst/>
+          </a:prstGeom>
+          <a:noFill/>
+        </p:spPr>
+        <p:txBody>
+          <a:bodyPr wrap="none" rtlCol="0">
+            <a:spAutoFit/>
+          </a:bodyPr>
+          <a:lstStyle/>
+          <a:p>
+            <a:r>
+              <a:rPr lang="en-US" dirty="0"/>
+              <a:t>3</a:t>
+            </a:r>
+            <a:endParaRPr lang="en-GB" dirty="0"/>
+          </a:p>
+        </p:txBody>
+      </p:sp>
+      <p:sp>
+        <p:nvSpPr>
+          <p:cNvPr id="29" name="TextBox 28">
+            <a:extLst>
+              <a:ext uri="{FF2B5EF4-FFF2-40B4-BE49-F238E27FC236}">
+                <a16:creationId xmlns:a16="http://schemas.microsoft.com/office/drawing/2014/main" id="{ADC5ADFD-DF00-4750-9884-EF25FDC15A43}"/>
+              </a:ext>
+            </a:extLst>
+          </p:cNvPr>
+          <p:cNvSpPr txBox="1"/>
+          <p:nvPr/>
+        </p:nvSpPr>
+        <p:spPr>
+          <a:xfrm>
+            <a:off x="2095769" y="2333113"/>
+            <a:ext cx="301686" cy="369332"/>
+          </a:xfrm>
+          <a:prstGeom prst="rect">
+            <a:avLst/>
+          </a:prstGeom>
+          <a:noFill/>
+        </p:spPr>
+        <p:txBody>
+          <a:bodyPr wrap="none" rtlCol="0">
+            <a:spAutoFit/>
+          </a:bodyPr>
+          <a:lstStyle/>
+          <a:p>
+            <a:r>
+              <a:rPr lang="en-US" dirty="0"/>
+              <a:t>7</a:t>
+            </a:r>
+            <a:endParaRPr lang="en-GB" dirty="0"/>
+          </a:p>
+        </p:txBody>
+      </p:sp>
+      <p:sp>
+        <p:nvSpPr>
+          <p:cNvPr id="38" name="TextBox 37">
+            <a:extLst>
+              <a:ext uri="{FF2B5EF4-FFF2-40B4-BE49-F238E27FC236}">
+                <a16:creationId xmlns:a16="http://schemas.microsoft.com/office/drawing/2014/main" id="{DB7D2516-20AE-4A5E-B558-1E8D29431E30}"/>
+              </a:ext>
+            </a:extLst>
+          </p:cNvPr>
+          <p:cNvSpPr txBox="1"/>
+          <p:nvPr/>
+        </p:nvSpPr>
+        <p:spPr>
+          <a:xfrm>
+            <a:off x="2989037" y="4322539"/>
+            <a:ext cx="301686" cy="369332"/>
+          </a:xfrm>
+          <a:prstGeom prst="rect">
+            <a:avLst/>
+          </a:prstGeom>
+          <a:noFill/>
+        </p:spPr>
+        <p:txBody>
+          <a:bodyPr wrap="none" rtlCol="0">
+            <a:spAutoFit/>
+          </a:bodyPr>
+          <a:lstStyle/>
+          <a:p>
+            <a:r>
+              <a:rPr lang="en-US" dirty="0"/>
+              <a:t>3</a:t>
+            </a:r>
+            <a:endParaRPr lang="en-GB" dirty="0"/>
+          </a:p>
+        </p:txBody>
+      </p:sp>
+      <p:sp>
+        <p:nvSpPr>
+          <p:cNvPr id="39" name="TextBox 38">
+            <a:extLst>
+              <a:ext uri="{FF2B5EF4-FFF2-40B4-BE49-F238E27FC236}">
+                <a16:creationId xmlns:a16="http://schemas.microsoft.com/office/drawing/2014/main" id="{51AD6EE4-D293-4889-8F4C-D6345124CD72}"/>
+              </a:ext>
+            </a:extLst>
+          </p:cNvPr>
+          <p:cNvSpPr txBox="1"/>
+          <p:nvPr/>
+        </p:nvSpPr>
+        <p:spPr>
+          <a:xfrm>
+            <a:off x="2989037" y="4863322"/>
+            <a:ext cx="301686" cy="369332"/>
+          </a:xfrm>
+          <a:prstGeom prst="rect">
+            <a:avLst/>
+          </a:prstGeom>
+          <a:noFill/>
+        </p:spPr>
+        <p:txBody>
+          <a:bodyPr wrap="none" rtlCol="0">
+            <a:spAutoFit/>
+          </a:bodyPr>
+          <a:lstStyle/>
+          <a:p>
+            <a:r>
+              <a:rPr lang="en-US" dirty="0"/>
+              <a:t>5</a:t>
+            </a:r>
+            <a:endParaRPr lang="en-GB" dirty="0"/>
+          </a:p>
+        </p:txBody>
+      </p:sp>
+      <p:sp>
+        <p:nvSpPr>
+          <p:cNvPr id="40" name="TextBox 39">
+            <a:extLst>
+              <a:ext uri="{FF2B5EF4-FFF2-40B4-BE49-F238E27FC236}">
+                <a16:creationId xmlns:a16="http://schemas.microsoft.com/office/drawing/2014/main" id="{63AC2A9A-BB0E-4577-BC7A-405D10CEA184}"/>
+              </a:ext>
+            </a:extLst>
+          </p:cNvPr>
+          <p:cNvSpPr txBox="1"/>
+          <p:nvPr/>
+        </p:nvSpPr>
+        <p:spPr>
+          <a:xfrm>
+            <a:off x="8059188" y="1230286"/>
+            <a:ext cx="362600" cy="461665"/>
+          </a:xfrm>
+          <a:prstGeom prst="rect">
+            <a:avLst/>
+          </a:prstGeom>
+          <a:noFill/>
+        </p:spPr>
+        <p:txBody>
+          <a:bodyPr wrap="none" rtlCol="0">
+            <a:spAutoFit/>
+          </a:bodyPr>
+          <a:lstStyle/>
+          <a:p>
+            <a:r>
+              <a:rPr lang="en-US" sz="2400" dirty="0"/>
+              <a:t>A</a:t>
+            </a:r>
+            <a:endParaRPr lang="en-GB" sz="2400" dirty="0"/>
+          </a:p>
+        </p:txBody>
+      </p:sp>
+      <p:sp>
+        <p:nvSpPr>
+          <p:cNvPr id="41" name="TextBox 40">
+            <a:extLst>
+              <a:ext uri="{FF2B5EF4-FFF2-40B4-BE49-F238E27FC236}">
+                <a16:creationId xmlns:a16="http://schemas.microsoft.com/office/drawing/2014/main" id="{BE5A422E-E8CF-4464-AE79-42AF2C66722F}"/>
+              </a:ext>
+            </a:extLst>
+          </p:cNvPr>
+          <p:cNvSpPr txBox="1"/>
+          <p:nvPr/>
+        </p:nvSpPr>
+        <p:spPr>
+          <a:xfrm>
+            <a:off x="8686989" y="1230286"/>
+            <a:ext cx="351378" cy="461665"/>
+          </a:xfrm>
+          <a:prstGeom prst="rect">
+            <a:avLst/>
+          </a:prstGeom>
+          <a:noFill/>
+        </p:spPr>
+        <p:txBody>
+          <a:bodyPr wrap="none" rtlCol="0">
+            <a:spAutoFit/>
+          </a:bodyPr>
+          <a:lstStyle/>
+          <a:p>
+            <a:r>
+              <a:rPr lang="en-US" sz="2400" dirty="0"/>
+              <a:t>B</a:t>
+            </a:r>
+            <a:endParaRPr lang="en-GB" sz="2400" dirty="0"/>
+          </a:p>
+        </p:txBody>
+      </p:sp>
+      <p:sp>
+        <p:nvSpPr>
+          <p:cNvPr id="42" name="TextBox 41">
+            <a:extLst>
+              <a:ext uri="{FF2B5EF4-FFF2-40B4-BE49-F238E27FC236}">
+                <a16:creationId xmlns:a16="http://schemas.microsoft.com/office/drawing/2014/main" id="{813A5D96-CE10-4186-A0CD-6BDB1039D0BB}"/>
+              </a:ext>
+            </a:extLst>
+          </p:cNvPr>
+          <p:cNvSpPr txBox="1"/>
+          <p:nvPr/>
+        </p:nvSpPr>
+        <p:spPr>
+          <a:xfrm>
+            <a:off x="8686989" y="1784286"/>
+            <a:ext cx="348172" cy="461665"/>
+          </a:xfrm>
+          <a:prstGeom prst="rect">
+            <a:avLst/>
+          </a:prstGeom>
+          <a:noFill/>
+        </p:spPr>
+        <p:txBody>
+          <a:bodyPr wrap="none" rtlCol="0">
+            <a:spAutoFit/>
+          </a:bodyPr>
+          <a:lstStyle/>
+          <a:p>
+            <a:r>
+              <a:rPr lang="en-US" sz="2400" dirty="0"/>
+              <a:t>C</a:t>
+            </a:r>
+            <a:endParaRPr lang="en-GB" sz="2400" dirty="0"/>
+          </a:p>
+        </p:txBody>
+      </p:sp>
+      <p:cxnSp>
+        <p:nvCxnSpPr>
+          <p:cNvPr id="44" name="Straight Arrow Connector 43">
+            <a:extLst>
+              <a:ext uri="{FF2B5EF4-FFF2-40B4-BE49-F238E27FC236}">
+                <a16:creationId xmlns:a16="http://schemas.microsoft.com/office/drawing/2014/main" id="{ECFCA6AE-BD0C-4342-BBEB-429F116B8D3E}"/>
+              </a:ext>
+            </a:extLst>
+          </p:cNvPr>
+          <p:cNvCxnSpPr>
+            <a:stCxn id="40" idx="3"/>
+            <a:endCxn id="41" idx="1"/>
+          </p:cNvCxnSpPr>
+          <p:nvPr/>
+        </p:nvCxnSpPr>
+        <p:spPr>
+          <a:xfrm>
+            <a:off x="8421788" y="1461119"/>
+            <a:ext cx="265201" cy="0"/>
+          </a:xfrm>
+          <a:prstGeom prst="straightConnector1">
+            <a:avLst/>
+          </a:prstGeom>
+          <a:ln>
+            <a:tailEnd type="triangle"/>
+          </a:ln>
+        </p:spPr>
+        <p:style>
+          <a:lnRef idx="1">
+            <a:schemeClr val="accent1"/>
+          </a:lnRef>
+          <a:fillRef idx="0">
+            <a:schemeClr val="accent1"/>
+          </a:fillRef>
+          <a:effectRef idx="0">
+            <a:schemeClr val="accent1"/>
+          </a:effectRef>
+          <a:fontRef idx="minor">
+            <a:schemeClr val="tx1"/>
+          </a:fontRef>
+        </p:style>
+      </p:cxnSp>
+      <p:sp>
+        <p:nvSpPr>
+          <p:cNvPr id="45" name="TextBox 44">
+            <a:extLst>
+              <a:ext uri="{FF2B5EF4-FFF2-40B4-BE49-F238E27FC236}">
+                <a16:creationId xmlns:a16="http://schemas.microsoft.com/office/drawing/2014/main" id="{4E235BBE-D104-4CD7-B998-5E5677E7F2D2}"/>
+              </a:ext>
+            </a:extLst>
+          </p:cNvPr>
+          <p:cNvSpPr txBox="1"/>
+          <p:nvPr/>
+        </p:nvSpPr>
+        <p:spPr>
+          <a:xfrm>
+            <a:off x="8059188" y="1784286"/>
+            <a:ext cx="362600" cy="461665"/>
+          </a:xfrm>
+          <a:prstGeom prst="rect">
+            <a:avLst/>
+          </a:prstGeom>
+          <a:noFill/>
+        </p:spPr>
+        <p:txBody>
+          <a:bodyPr wrap="none" rtlCol="0">
+            <a:spAutoFit/>
+          </a:bodyPr>
+          <a:lstStyle/>
+          <a:p>
+            <a:r>
+              <a:rPr lang="en-US" sz="2400" dirty="0"/>
+              <a:t>A</a:t>
+            </a:r>
+            <a:endParaRPr lang="en-GB" sz="2400" dirty="0"/>
+          </a:p>
+        </p:txBody>
+      </p:sp>
+      <p:cxnSp>
+        <p:nvCxnSpPr>
+          <p:cNvPr id="47" name="Straight Arrow Connector 46">
+            <a:extLst>
+              <a:ext uri="{FF2B5EF4-FFF2-40B4-BE49-F238E27FC236}">
+                <a16:creationId xmlns:a16="http://schemas.microsoft.com/office/drawing/2014/main" id="{AECF90EE-90F0-4460-B79D-A968F00F3437}"/>
+              </a:ext>
+            </a:extLst>
+          </p:cNvPr>
+          <p:cNvCxnSpPr>
+            <a:cxnSpLocks/>
+            <a:stCxn id="45" idx="3"/>
+            <a:endCxn id="42" idx="1"/>
+          </p:cNvCxnSpPr>
+          <p:nvPr/>
+        </p:nvCxnSpPr>
+        <p:spPr>
+          <a:xfrm>
+            <a:off x="8421788" y="2015119"/>
+            <a:ext cx="265201" cy="0"/>
+          </a:xfrm>
+          <a:prstGeom prst="straightConnector1">
+            <a:avLst/>
+          </a:prstGeom>
+          <a:ln>
+            <a:tailEnd type="triangle"/>
+          </a:ln>
+        </p:spPr>
+        <p:style>
+          <a:lnRef idx="1">
+            <a:schemeClr val="accent1"/>
+          </a:lnRef>
+          <a:fillRef idx="0">
+            <a:schemeClr val="accent1"/>
+          </a:fillRef>
+          <a:effectRef idx="0">
+            <a:schemeClr val="accent1"/>
+          </a:effectRef>
+          <a:fontRef idx="minor">
+            <a:schemeClr val="tx1"/>
+          </a:fontRef>
+        </p:style>
+      </p:cxnSp>
+      <p:sp>
+        <p:nvSpPr>
+          <p:cNvPr id="50" name="TextBox 49">
+            <a:extLst>
+              <a:ext uri="{FF2B5EF4-FFF2-40B4-BE49-F238E27FC236}">
+                <a16:creationId xmlns:a16="http://schemas.microsoft.com/office/drawing/2014/main" id="{5592D84A-F274-4E17-A136-B116409EB67D}"/>
+              </a:ext>
+            </a:extLst>
+          </p:cNvPr>
+          <p:cNvSpPr txBox="1"/>
+          <p:nvPr/>
+        </p:nvSpPr>
+        <p:spPr>
+          <a:xfrm>
+            <a:off x="8064764" y="2563265"/>
+            <a:ext cx="362600" cy="461665"/>
+          </a:xfrm>
+          <a:prstGeom prst="rect">
+            <a:avLst/>
+          </a:prstGeom>
+          <a:noFill/>
+        </p:spPr>
+        <p:txBody>
+          <a:bodyPr wrap="none" rtlCol="0">
+            <a:spAutoFit/>
+          </a:bodyPr>
+          <a:lstStyle/>
+          <a:p>
+            <a:r>
+              <a:rPr lang="en-US" sz="2400" dirty="0"/>
+              <a:t>B</a:t>
+            </a:r>
+            <a:endParaRPr lang="en-GB" sz="2400" dirty="0"/>
+          </a:p>
+        </p:txBody>
+      </p:sp>
+      <p:sp>
+        <p:nvSpPr>
+          <p:cNvPr id="51" name="TextBox 50">
+            <a:extLst>
+              <a:ext uri="{FF2B5EF4-FFF2-40B4-BE49-F238E27FC236}">
+                <a16:creationId xmlns:a16="http://schemas.microsoft.com/office/drawing/2014/main" id="{E7854282-BDC4-4551-A1AE-D1B5C05D3D48}"/>
+              </a:ext>
+            </a:extLst>
+          </p:cNvPr>
+          <p:cNvSpPr txBox="1"/>
+          <p:nvPr/>
+        </p:nvSpPr>
+        <p:spPr>
+          <a:xfrm>
+            <a:off x="8692565" y="2563265"/>
+            <a:ext cx="362600" cy="461665"/>
+          </a:xfrm>
+          <a:prstGeom prst="rect">
+            <a:avLst/>
+          </a:prstGeom>
+          <a:noFill/>
+        </p:spPr>
+        <p:txBody>
+          <a:bodyPr wrap="none" rtlCol="0">
+            <a:spAutoFit/>
+          </a:bodyPr>
+          <a:lstStyle/>
+          <a:p>
+            <a:r>
+              <a:rPr lang="en-US" sz="2400" dirty="0"/>
+              <a:t>A</a:t>
+            </a:r>
+            <a:endParaRPr lang="en-GB" sz="2400" dirty="0"/>
+          </a:p>
+        </p:txBody>
+      </p:sp>
+      <p:sp>
+        <p:nvSpPr>
+          <p:cNvPr id="52" name="TextBox 51">
+            <a:extLst>
+              <a:ext uri="{FF2B5EF4-FFF2-40B4-BE49-F238E27FC236}">
+                <a16:creationId xmlns:a16="http://schemas.microsoft.com/office/drawing/2014/main" id="{6F76E1BA-B8C2-4CEA-8AA3-9BE445E7AB5D}"/>
+              </a:ext>
+            </a:extLst>
+          </p:cNvPr>
+          <p:cNvSpPr txBox="1"/>
+          <p:nvPr/>
+        </p:nvSpPr>
+        <p:spPr>
+          <a:xfrm>
+            <a:off x="8692565" y="3117265"/>
+            <a:ext cx="348172" cy="461665"/>
+          </a:xfrm>
+          <a:prstGeom prst="rect">
+            <a:avLst/>
+          </a:prstGeom>
+          <a:noFill/>
+        </p:spPr>
+        <p:txBody>
+          <a:bodyPr wrap="none" rtlCol="0">
+            <a:spAutoFit/>
+          </a:bodyPr>
+          <a:lstStyle/>
+          <a:p>
+            <a:r>
+              <a:rPr lang="en-US" sz="2400" dirty="0"/>
+              <a:t>C</a:t>
+            </a:r>
+            <a:endParaRPr lang="en-GB" sz="2400" dirty="0"/>
+          </a:p>
+        </p:txBody>
+      </p:sp>
+      <p:cxnSp>
+        <p:nvCxnSpPr>
+          <p:cNvPr id="53" name="Straight Arrow Connector 52">
+            <a:extLst>
+              <a:ext uri="{FF2B5EF4-FFF2-40B4-BE49-F238E27FC236}">
+                <a16:creationId xmlns:a16="http://schemas.microsoft.com/office/drawing/2014/main" id="{8861D3C4-75F3-40E5-97B9-F0D1713F58EB}"/>
+              </a:ext>
+            </a:extLst>
+          </p:cNvPr>
+          <p:cNvCxnSpPr>
+            <a:stCxn id="50" idx="3"/>
+            <a:endCxn id="51" idx="1"/>
+          </p:cNvCxnSpPr>
+          <p:nvPr/>
+        </p:nvCxnSpPr>
+        <p:spPr>
+          <a:xfrm>
+            <a:off x="8427364" y="2794098"/>
+            <a:ext cx="265201" cy="0"/>
+          </a:xfrm>
+          <a:prstGeom prst="straightConnector1">
+            <a:avLst/>
+          </a:prstGeom>
+          <a:ln>
+            <a:tailEnd type="triangle"/>
+          </a:ln>
+        </p:spPr>
+        <p:style>
+          <a:lnRef idx="1">
+            <a:schemeClr val="accent1"/>
+          </a:lnRef>
+          <a:fillRef idx="0">
+            <a:schemeClr val="accent1"/>
+          </a:fillRef>
+          <a:effectRef idx="0">
+            <a:schemeClr val="accent1"/>
+          </a:effectRef>
+          <a:fontRef idx="minor">
+            <a:schemeClr val="tx1"/>
+          </a:fontRef>
+        </p:style>
+      </p:cxnSp>
+      <p:sp>
+        <p:nvSpPr>
+          <p:cNvPr id="54" name="TextBox 53">
+            <a:extLst>
+              <a:ext uri="{FF2B5EF4-FFF2-40B4-BE49-F238E27FC236}">
+                <a16:creationId xmlns:a16="http://schemas.microsoft.com/office/drawing/2014/main" id="{4C245B15-B848-4858-A0EC-A4F58B91433F}"/>
+              </a:ext>
+            </a:extLst>
+          </p:cNvPr>
+          <p:cNvSpPr txBox="1"/>
+          <p:nvPr/>
+        </p:nvSpPr>
+        <p:spPr>
+          <a:xfrm>
+            <a:off x="8064764" y="3117265"/>
+            <a:ext cx="362600" cy="461665"/>
+          </a:xfrm>
+          <a:prstGeom prst="rect">
+            <a:avLst/>
+          </a:prstGeom>
+          <a:noFill/>
+        </p:spPr>
+        <p:txBody>
+          <a:bodyPr wrap="none" rtlCol="0">
+            <a:spAutoFit/>
+          </a:bodyPr>
+          <a:lstStyle/>
+          <a:p>
+            <a:r>
+              <a:rPr lang="en-US" sz="2400" dirty="0"/>
+              <a:t>B</a:t>
+            </a:r>
+            <a:endParaRPr lang="en-GB" sz="2400" dirty="0"/>
+          </a:p>
+        </p:txBody>
+      </p:sp>
+      <p:cxnSp>
+        <p:nvCxnSpPr>
+          <p:cNvPr id="55" name="Straight Arrow Connector 54">
+            <a:extLst>
+              <a:ext uri="{FF2B5EF4-FFF2-40B4-BE49-F238E27FC236}">
+                <a16:creationId xmlns:a16="http://schemas.microsoft.com/office/drawing/2014/main" id="{6D493DD7-2FDA-4BDE-8FC3-91CEE79FF2BD}"/>
+              </a:ext>
+            </a:extLst>
+          </p:cNvPr>
+          <p:cNvCxnSpPr>
+            <a:cxnSpLocks/>
+            <a:stCxn id="54" idx="3"/>
+            <a:endCxn id="52" idx="1"/>
+          </p:cNvCxnSpPr>
+          <p:nvPr/>
+        </p:nvCxnSpPr>
+        <p:spPr>
+          <a:xfrm>
+            <a:off x="8427364" y="3348098"/>
+            <a:ext cx="265201" cy="0"/>
+          </a:xfrm>
+          <a:prstGeom prst="straightConnector1">
+            <a:avLst/>
+          </a:prstGeom>
+          <a:ln>
+            <a:tailEnd type="triangle"/>
+          </a:ln>
+        </p:spPr>
+        <p:style>
+          <a:lnRef idx="1">
+            <a:schemeClr val="accent1"/>
+          </a:lnRef>
+          <a:fillRef idx="0">
+            <a:schemeClr val="accent1"/>
+          </a:fillRef>
+          <a:effectRef idx="0">
+            <a:schemeClr val="accent1"/>
+          </a:effectRef>
+          <a:fontRef idx="minor">
+            <a:schemeClr val="tx1"/>
+          </a:fontRef>
+        </p:style>
+      </p:cxnSp>
+      <p:sp>
+        <p:nvSpPr>
+          <p:cNvPr id="56" name="TextBox 55">
+            <a:extLst>
+              <a:ext uri="{FF2B5EF4-FFF2-40B4-BE49-F238E27FC236}">
+                <a16:creationId xmlns:a16="http://schemas.microsoft.com/office/drawing/2014/main" id="{4EC77A33-32F8-4949-B8D8-CB7691F76804}"/>
+              </a:ext>
+            </a:extLst>
+          </p:cNvPr>
+          <p:cNvSpPr txBox="1"/>
+          <p:nvPr/>
+        </p:nvSpPr>
+        <p:spPr>
+          <a:xfrm>
+            <a:off x="8075986" y="3958612"/>
+            <a:ext cx="348172" cy="461665"/>
+          </a:xfrm>
+          <a:prstGeom prst="rect">
+            <a:avLst/>
+          </a:prstGeom>
+          <a:noFill/>
+        </p:spPr>
+        <p:txBody>
+          <a:bodyPr wrap="none" rtlCol="0">
+            <a:spAutoFit/>
+          </a:bodyPr>
+          <a:lstStyle/>
+          <a:p>
+            <a:r>
+              <a:rPr lang="en-US" sz="2400" dirty="0"/>
+              <a:t>C</a:t>
+            </a:r>
+            <a:endParaRPr lang="en-GB" sz="2400" dirty="0"/>
+          </a:p>
+        </p:txBody>
+      </p:sp>
+      <p:sp>
+        <p:nvSpPr>
+          <p:cNvPr id="57" name="TextBox 56">
+            <a:extLst>
+              <a:ext uri="{FF2B5EF4-FFF2-40B4-BE49-F238E27FC236}">
+                <a16:creationId xmlns:a16="http://schemas.microsoft.com/office/drawing/2014/main" id="{F5162FF6-3989-42E3-AC68-84CE309F6B4C}"/>
+              </a:ext>
+            </a:extLst>
+          </p:cNvPr>
+          <p:cNvSpPr txBox="1"/>
+          <p:nvPr/>
+        </p:nvSpPr>
+        <p:spPr>
+          <a:xfrm>
+            <a:off x="8703787" y="3958612"/>
+            <a:ext cx="351378" cy="461665"/>
+          </a:xfrm>
+          <a:prstGeom prst="rect">
+            <a:avLst/>
+          </a:prstGeom>
+          <a:noFill/>
+        </p:spPr>
+        <p:txBody>
+          <a:bodyPr wrap="none" rtlCol="0">
+            <a:spAutoFit/>
+          </a:bodyPr>
+          <a:lstStyle/>
+          <a:p>
+            <a:r>
+              <a:rPr lang="en-US" sz="2400" dirty="0"/>
+              <a:t>B</a:t>
+            </a:r>
+            <a:endParaRPr lang="en-GB" sz="2400" dirty="0"/>
+          </a:p>
+        </p:txBody>
+      </p:sp>
+      <p:sp>
+        <p:nvSpPr>
+          <p:cNvPr id="58" name="TextBox 57">
+            <a:extLst>
+              <a:ext uri="{FF2B5EF4-FFF2-40B4-BE49-F238E27FC236}">
+                <a16:creationId xmlns:a16="http://schemas.microsoft.com/office/drawing/2014/main" id="{DCDE5BF5-D9E5-4BE7-B967-E9176B611EFB}"/>
+              </a:ext>
+            </a:extLst>
+          </p:cNvPr>
+          <p:cNvSpPr txBox="1"/>
+          <p:nvPr/>
+        </p:nvSpPr>
+        <p:spPr>
+          <a:xfrm>
+            <a:off x="8703787" y="4512612"/>
+            <a:ext cx="362600" cy="461665"/>
+          </a:xfrm>
+          <a:prstGeom prst="rect">
+            <a:avLst/>
+          </a:prstGeom>
+          <a:noFill/>
+        </p:spPr>
+        <p:txBody>
+          <a:bodyPr wrap="none" rtlCol="0">
+            <a:spAutoFit/>
+          </a:bodyPr>
+          <a:lstStyle/>
+          <a:p>
+            <a:r>
+              <a:rPr lang="en-US" sz="2400" dirty="0"/>
+              <a:t>A</a:t>
+            </a:r>
+            <a:endParaRPr lang="en-GB" sz="2400" dirty="0"/>
+          </a:p>
+        </p:txBody>
+      </p:sp>
+      <p:cxnSp>
+        <p:nvCxnSpPr>
+          <p:cNvPr id="59" name="Straight Arrow Connector 58">
+            <a:extLst>
+              <a:ext uri="{FF2B5EF4-FFF2-40B4-BE49-F238E27FC236}">
+                <a16:creationId xmlns:a16="http://schemas.microsoft.com/office/drawing/2014/main" id="{1F677C72-6A11-44BB-B3B6-C7A3A5276B34}"/>
+              </a:ext>
+            </a:extLst>
+          </p:cNvPr>
+          <p:cNvCxnSpPr>
+            <a:stCxn id="56" idx="3"/>
+            <a:endCxn id="57" idx="1"/>
+          </p:cNvCxnSpPr>
+          <p:nvPr/>
+        </p:nvCxnSpPr>
+        <p:spPr>
+          <a:xfrm>
+            <a:off x="8424158" y="4189445"/>
+            <a:ext cx="279629" cy="0"/>
+          </a:xfrm>
+          <a:prstGeom prst="straightConnector1">
+            <a:avLst/>
+          </a:prstGeom>
+          <a:ln>
+            <a:tailEnd type="triangle"/>
+          </a:ln>
+        </p:spPr>
+        <p:style>
+          <a:lnRef idx="1">
+            <a:schemeClr val="accent1"/>
+          </a:lnRef>
+          <a:fillRef idx="0">
+            <a:schemeClr val="accent1"/>
+          </a:fillRef>
+          <a:effectRef idx="0">
+            <a:schemeClr val="accent1"/>
+          </a:effectRef>
+          <a:fontRef idx="minor">
+            <a:schemeClr val="tx1"/>
+          </a:fontRef>
+        </p:style>
+      </p:cxnSp>
+      <p:sp>
+        <p:nvSpPr>
+          <p:cNvPr id="60" name="TextBox 59">
+            <a:extLst>
+              <a:ext uri="{FF2B5EF4-FFF2-40B4-BE49-F238E27FC236}">
+                <a16:creationId xmlns:a16="http://schemas.microsoft.com/office/drawing/2014/main" id="{B63E40E8-681A-426B-BAC2-9D116AA74BF7}"/>
+              </a:ext>
+            </a:extLst>
+          </p:cNvPr>
+          <p:cNvSpPr txBox="1"/>
+          <p:nvPr/>
+        </p:nvSpPr>
+        <p:spPr>
+          <a:xfrm>
+            <a:off x="8075986" y="4512612"/>
+            <a:ext cx="348172" cy="461665"/>
+          </a:xfrm>
+          <a:prstGeom prst="rect">
+            <a:avLst/>
+          </a:prstGeom>
+          <a:noFill/>
+        </p:spPr>
+        <p:txBody>
+          <a:bodyPr wrap="none" rtlCol="0">
+            <a:spAutoFit/>
+          </a:bodyPr>
+          <a:lstStyle/>
+          <a:p>
+            <a:r>
+              <a:rPr lang="en-US" sz="2400" dirty="0"/>
+              <a:t>C</a:t>
+            </a:r>
+            <a:endParaRPr lang="en-GB" sz="2400" dirty="0"/>
+          </a:p>
+        </p:txBody>
+      </p:sp>
+      <p:cxnSp>
+        <p:nvCxnSpPr>
+          <p:cNvPr id="61" name="Straight Arrow Connector 60">
+            <a:extLst>
+              <a:ext uri="{FF2B5EF4-FFF2-40B4-BE49-F238E27FC236}">
+                <a16:creationId xmlns:a16="http://schemas.microsoft.com/office/drawing/2014/main" id="{269827E0-3698-41E9-BAA0-D29D1E7C8901}"/>
+              </a:ext>
+            </a:extLst>
+          </p:cNvPr>
+          <p:cNvCxnSpPr>
+            <a:cxnSpLocks/>
+            <a:stCxn id="60" idx="3"/>
+            <a:endCxn id="58" idx="1"/>
+          </p:cNvCxnSpPr>
+          <p:nvPr/>
+        </p:nvCxnSpPr>
+        <p:spPr>
+          <a:xfrm>
+            <a:off x="8424158" y="4743445"/>
+            <a:ext cx="279629" cy="0"/>
+          </a:xfrm>
+          <a:prstGeom prst="straightConnector1">
+            <a:avLst/>
+          </a:prstGeom>
+          <a:ln>
+            <a:tailEnd type="triangle"/>
+          </a:ln>
+        </p:spPr>
+        <p:style>
+          <a:lnRef idx="1">
+            <a:schemeClr val="accent1"/>
+          </a:lnRef>
+          <a:fillRef idx="0">
+            <a:schemeClr val="accent1"/>
+          </a:fillRef>
+          <a:effectRef idx="0">
+            <a:schemeClr val="accent1"/>
+          </a:effectRef>
+          <a:fontRef idx="minor">
+            <a:schemeClr val="tx1"/>
+          </a:fontRef>
+        </p:style>
+      </p:cxnSp>
     </p:spTree>
     <p:extLst>
       <p:ext uri="{BB962C8B-B14F-4D97-AF65-F5344CB8AC3E}">
-        <p14:creationId xmlns:p14="http://schemas.microsoft.com/office/powerpoint/2010/main" val="1209566586"/>
+        <p14:creationId xmlns:p14="http://schemas.microsoft.com/office/powerpoint/2010/main" val="2446861417"/>
       </p:ext>
     </p:extLst>
   </p:cSld>
@@ -4138,7 +4736,7 @@
           <p:cNvPr id="2" name="Oval 1">
             <a:extLst>
               <a:ext uri="{FF2B5EF4-FFF2-40B4-BE49-F238E27FC236}">
-                <a16:creationId xmlns:a16="http://schemas.microsoft.com/office/drawing/2014/main" id="{6179C4B6-FF72-4EA6-84A2-53D2C161B6D9}"/>
+                <a16:creationId xmlns:a16="http://schemas.microsoft.com/office/drawing/2014/main" id="{8AAA5170-3C8A-4E47-BA7B-E246FA625A79}"/>
               </a:ext>
             </a:extLst>
           </p:cNvPr>
@@ -4147,7 +4745,7 @@
         </p:nvSpPr>
         <p:spPr>
           <a:xfrm>
-            <a:off x="2995125" y="3620278"/>
+            <a:off x="2155370" y="2486608"/>
             <a:ext cx="774441" cy="737118"/>
           </a:xfrm>
           <a:prstGeom prst="ellipse">
@@ -4177,7 +4775,7 @@
             <a:pPr algn="ctr"/>
             <a:r>
               <a:rPr lang="en-US" dirty="0"/>
-              <a:t>B</a:t>
+              <a:t>A</a:t>
             </a:r>
             <a:endParaRPr lang="en-GB" dirty="0"/>
           </a:p>
@@ -4188,7 +4786,7 @@
           <p:cNvPr id="3" name="Oval 2">
             <a:extLst>
               <a:ext uri="{FF2B5EF4-FFF2-40B4-BE49-F238E27FC236}">
-                <a16:creationId xmlns:a16="http://schemas.microsoft.com/office/drawing/2014/main" id="{A2F91049-BBD6-4E5E-A1FD-C4FB497DF2E0}"/>
+                <a16:creationId xmlns:a16="http://schemas.microsoft.com/office/drawing/2014/main" id="{E4411772-74AE-48CE-8745-20C64B7B76B7}"/>
               </a:ext>
             </a:extLst>
           </p:cNvPr>
@@ -4197,7 +4795,7 @@
         </p:nvSpPr>
         <p:spPr>
           <a:xfrm>
-            <a:off x="4895459" y="1995196"/>
+            <a:off x="5274905" y="2486608"/>
             <a:ext cx="774441" cy="737118"/>
           </a:xfrm>
           <a:prstGeom prst="ellipse">
@@ -4227,7 +4825,7 @@
             <a:pPr algn="ctr"/>
             <a:r>
               <a:rPr lang="en-US" dirty="0"/>
-              <a:t>C</a:t>
+              <a:t>B</a:t>
             </a:r>
             <a:endParaRPr lang="en-GB" dirty="0"/>
           </a:p>
@@ -4238,7 +4836,7 @@
           <p:cNvPr id="4" name="Oval 3">
             <a:extLst>
               <a:ext uri="{FF2B5EF4-FFF2-40B4-BE49-F238E27FC236}">
-                <a16:creationId xmlns:a16="http://schemas.microsoft.com/office/drawing/2014/main" id="{ACE331A9-3E89-487A-B5A9-2043F2715D18}"/>
+                <a16:creationId xmlns:a16="http://schemas.microsoft.com/office/drawing/2014/main" id="{23BE109D-CFA6-496F-9175-DD4716E24F8D}"/>
               </a:ext>
             </a:extLst>
           </p:cNvPr>
@@ -4247,7 +4845,7 @@
         </p:nvSpPr>
         <p:spPr>
           <a:xfrm>
-            <a:off x="7716415" y="1995196"/>
+            <a:off x="8643256" y="2458616"/>
             <a:ext cx="774441" cy="737118"/>
           </a:xfrm>
           <a:prstGeom prst="ellipse">
@@ -4277,7 +4875,7 @@
             <a:pPr algn="ctr"/>
             <a:r>
               <a:rPr lang="en-US" dirty="0"/>
-              <a:t>D</a:t>
+              <a:t>C</a:t>
             </a:r>
             <a:endParaRPr lang="en-GB" dirty="0"/>
           </a:p>
@@ -4288,7 +4886,7 @@
           <p:cNvPr id="5" name="Oval 4">
             <a:extLst>
               <a:ext uri="{FF2B5EF4-FFF2-40B4-BE49-F238E27FC236}">
-                <a16:creationId xmlns:a16="http://schemas.microsoft.com/office/drawing/2014/main" id="{C6E0F6C2-D3C3-41B4-83EB-FBC203A9CAF7}"/>
+                <a16:creationId xmlns:a16="http://schemas.microsoft.com/office/drawing/2014/main" id="{06F4D6F1-4E40-4963-8108-AA617F86D5B7}"/>
               </a:ext>
             </a:extLst>
           </p:cNvPr>
@@ -4297,7 +4895,7 @@
         </p:nvSpPr>
         <p:spPr>
           <a:xfrm>
-            <a:off x="9358603" y="3620278"/>
+            <a:off x="8643256" y="5083628"/>
             <a:ext cx="774441" cy="737118"/>
           </a:xfrm>
           <a:prstGeom prst="ellipse">
@@ -4327,7 +4925,7 @@
             <a:pPr algn="ctr"/>
             <a:r>
               <a:rPr lang="en-US" dirty="0"/>
-              <a:t>E</a:t>
+              <a:t>D</a:t>
             </a:r>
             <a:endParaRPr lang="en-GB" dirty="0"/>
           </a:p>
@@ -4338,7 +4936,7 @@
           <p:cNvPr id="6" name="Oval 5">
             <a:extLst>
               <a:ext uri="{FF2B5EF4-FFF2-40B4-BE49-F238E27FC236}">
-                <a16:creationId xmlns:a16="http://schemas.microsoft.com/office/drawing/2014/main" id="{E056B85C-D004-4282-A20A-C510D3DE511E}"/>
+                <a16:creationId xmlns:a16="http://schemas.microsoft.com/office/drawing/2014/main" id="{5122A4B7-C2D4-445A-A952-E3C0F3F6A264}"/>
               </a:ext>
             </a:extLst>
           </p:cNvPr>
@@ -4347,7 +4945,7 @@
         </p:nvSpPr>
         <p:spPr>
           <a:xfrm>
-            <a:off x="7716415" y="5456853"/>
+            <a:off x="5274904" y="5083628"/>
             <a:ext cx="774441" cy="737118"/>
           </a:xfrm>
           <a:prstGeom prst="ellipse">
@@ -4377,7 +4975,7 @@
             <a:pPr algn="ctr"/>
             <a:r>
               <a:rPr lang="en-US" dirty="0"/>
-              <a:t>F</a:t>
+              <a:t>E</a:t>
             </a:r>
             <a:endParaRPr lang="en-GB" dirty="0"/>
           </a:p>
@@ -4385,10 +4983,550 @@
       </p:sp>
       <p:sp>
         <p:nvSpPr>
-          <p:cNvPr id="7" name="Oval 6">
-            <a:extLst>
-              <a:ext uri="{FF2B5EF4-FFF2-40B4-BE49-F238E27FC236}">
-                <a16:creationId xmlns:a16="http://schemas.microsoft.com/office/drawing/2014/main" id="{EB262F96-4B9E-4E7A-8935-DD515D6E2CC4}"/>
+          <p:cNvPr id="11" name="TextBox 10">
+            <a:extLst>
+              <a:ext uri="{FF2B5EF4-FFF2-40B4-BE49-F238E27FC236}">
+                <a16:creationId xmlns:a16="http://schemas.microsoft.com/office/drawing/2014/main" id="{353D54D1-908F-4A04-850D-8D1A6A64756C}"/>
+              </a:ext>
+            </a:extLst>
+          </p:cNvPr>
+          <p:cNvSpPr txBox="1"/>
+          <p:nvPr/>
+        </p:nvSpPr>
+        <p:spPr>
+          <a:xfrm>
+            <a:off x="3913681" y="2486608"/>
+            <a:ext cx="301686" cy="369332"/>
+          </a:xfrm>
+          <a:prstGeom prst="rect">
+            <a:avLst/>
+          </a:prstGeom>
+          <a:noFill/>
+        </p:spPr>
+        <p:txBody>
+          <a:bodyPr wrap="none" rtlCol="0">
+            <a:spAutoFit/>
+          </a:bodyPr>
+          <a:lstStyle/>
+          <a:p>
+            <a:r>
+              <a:rPr lang="en-US" dirty="0"/>
+              <a:t>5</a:t>
+            </a:r>
+            <a:endParaRPr lang="en-GB" dirty="0"/>
+          </a:p>
+        </p:txBody>
+      </p:sp>
+      <p:cxnSp>
+        <p:nvCxnSpPr>
+          <p:cNvPr id="14" name="Connector: Curved 13" descr="5">
+            <a:extLst>
+              <a:ext uri="{FF2B5EF4-FFF2-40B4-BE49-F238E27FC236}">
+                <a16:creationId xmlns:a16="http://schemas.microsoft.com/office/drawing/2014/main" id="{72B4DA24-D8BE-4752-B616-1586155E4AB1}"/>
+              </a:ext>
+            </a:extLst>
+          </p:cNvPr>
+          <p:cNvCxnSpPr>
+            <a:cxnSpLocks/>
+            <a:stCxn id="3" idx="7"/>
+            <a:endCxn id="4" idx="1"/>
+          </p:cNvCxnSpPr>
+          <p:nvPr/>
+        </p:nvCxnSpPr>
+        <p:spPr>
+          <a:xfrm rot="5400000" flipH="1" flipV="1">
+            <a:off x="7332305" y="1170191"/>
+            <a:ext cx="27992" cy="2820738"/>
+          </a:xfrm>
+          <a:prstGeom prst="curvedConnector3">
+            <a:avLst>
+              <a:gd name="adj1" fmla="val 1302301"/>
+            </a:avLst>
+          </a:prstGeom>
+          <a:ln>
+            <a:tailEnd type="triangle"/>
+          </a:ln>
+        </p:spPr>
+        <p:style>
+          <a:lnRef idx="1">
+            <a:schemeClr val="accent1"/>
+          </a:lnRef>
+          <a:fillRef idx="0">
+            <a:schemeClr val="accent1"/>
+          </a:fillRef>
+          <a:effectRef idx="0">
+            <a:schemeClr val="accent1"/>
+          </a:effectRef>
+          <a:fontRef idx="minor">
+            <a:schemeClr val="tx1"/>
+          </a:fontRef>
+        </p:style>
+      </p:cxnSp>
+      <p:cxnSp>
+        <p:nvCxnSpPr>
+          <p:cNvPr id="22" name="Connector: Curved 21">
+            <a:extLst>
+              <a:ext uri="{FF2B5EF4-FFF2-40B4-BE49-F238E27FC236}">
+                <a16:creationId xmlns:a16="http://schemas.microsoft.com/office/drawing/2014/main" id="{5393EE25-B155-4018-B3D9-B335766D12ED}"/>
+              </a:ext>
+            </a:extLst>
+          </p:cNvPr>
+          <p:cNvCxnSpPr>
+            <a:stCxn id="4" idx="3"/>
+            <a:endCxn id="3" idx="5"/>
+          </p:cNvCxnSpPr>
+          <p:nvPr/>
+        </p:nvCxnSpPr>
+        <p:spPr>
+          <a:xfrm rot="5400000">
+            <a:off x="7332305" y="1691413"/>
+            <a:ext cx="27992" cy="2820738"/>
+          </a:xfrm>
+          <a:prstGeom prst="curvedConnector3">
+            <a:avLst>
+              <a:gd name="adj1" fmla="val 1302301"/>
+            </a:avLst>
+          </a:prstGeom>
+          <a:ln>
+            <a:tailEnd type="triangle"/>
+          </a:ln>
+        </p:spPr>
+        <p:style>
+          <a:lnRef idx="1">
+            <a:schemeClr val="accent1"/>
+          </a:lnRef>
+          <a:fillRef idx="0">
+            <a:schemeClr val="accent1"/>
+          </a:fillRef>
+          <a:effectRef idx="0">
+            <a:schemeClr val="accent1"/>
+          </a:effectRef>
+          <a:fontRef idx="minor">
+            <a:schemeClr val="tx1"/>
+          </a:fontRef>
+        </p:style>
+      </p:cxnSp>
+      <p:cxnSp>
+        <p:nvCxnSpPr>
+          <p:cNvPr id="24" name="Straight Arrow Connector 23">
+            <a:extLst>
+              <a:ext uri="{FF2B5EF4-FFF2-40B4-BE49-F238E27FC236}">
+                <a16:creationId xmlns:a16="http://schemas.microsoft.com/office/drawing/2014/main" id="{6E602087-4A5A-4670-ADD9-42AF72EFB174}"/>
+              </a:ext>
+            </a:extLst>
+          </p:cNvPr>
+          <p:cNvCxnSpPr>
+            <a:stCxn id="4" idx="4"/>
+            <a:endCxn id="5" idx="0"/>
+          </p:cNvCxnSpPr>
+          <p:nvPr/>
+        </p:nvCxnSpPr>
+        <p:spPr>
+          <a:xfrm>
+            <a:off x="9030477" y="3195734"/>
+            <a:ext cx="0" cy="1887894"/>
+          </a:xfrm>
+          <a:prstGeom prst="straightConnector1">
+            <a:avLst/>
+          </a:prstGeom>
+          <a:ln>
+            <a:tailEnd type="triangle"/>
+          </a:ln>
+        </p:spPr>
+        <p:style>
+          <a:lnRef idx="1">
+            <a:schemeClr val="accent1"/>
+          </a:lnRef>
+          <a:fillRef idx="0">
+            <a:schemeClr val="accent1"/>
+          </a:fillRef>
+          <a:effectRef idx="0">
+            <a:schemeClr val="accent1"/>
+          </a:effectRef>
+          <a:fontRef idx="minor">
+            <a:schemeClr val="tx1"/>
+          </a:fontRef>
+        </p:style>
+      </p:cxnSp>
+      <p:cxnSp>
+        <p:nvCxnSpPr>
+          <p:cNvPr id="26" name="Straight Arrow Connector 25">
+            <a:extLst>
+              <a:ext uri="{FF2B5EF4-FFF2-40B4-BE49-F238E27FC236}">
+                <a16:creationId xmlns:a16="http://schemas.microsoft.com/office/drawing/2014/main" id="{23C18D70-F8FD-4D6C-BC6C-215C8442F6B9}"/>
+              </a:ext>
+            </a:extLst>
+          </p:cNvPr>
+          <p:cNvCxnSpPr>
+            <a:stCxn id="5" idx="2"/>
+            <a:endCxn id="6" idx="6"/>
+          </p:cNvCxnSpPr>
+          <p:nvPr/>
+        </p:nvCxnSpPr>
+        <p:spPr>
+          <a:xfrm flipH="1">
+            <a:off x="6049345" y="5452187"/>
+            <a:ext cx="2593911" cy="0"/>
+          </a:xfrm>
+          <a:prstGeom prst="straightConnector1">
+            <a:avLst/>
+          </a:prstGeom>
+          <a:ln>
+            <a:tailEnd type="triangle"/>
+          </a:ln>
+        </p:spPr>
+        <p:style>
+          <a:lnRef idx="1">
+            <a:schemeClr val="accent1"/>
+          </a:lnRef>
+          <a:fillRef idx="0">
+            <a:schemeClr val="accent1"/>
+          </a:fillRef>
+          <a:effectRef idx="0">
+            <a:schemeClr val="accent1"/>
+          </a:effectRef>
+          <a:fontRef idx="minor">
+            <a:schemeClr val="tx1"/>
+          </a:fontRef>
+        </p:style>
+      </p:cxnSp>
+      <p:cxnSp>
+        <p:nvCxnSpPr>
+          <p:cNvPr id="28" name="Straight Arrow Connector 27">
+            <a:extLst>
+              <a:ext uri="{FF2B5EF4-FFF2-40B4-BE49-F238E27FC236}">
+                <a16:creationId xmlns:a16="http://schemas.microsoft.com/office/drawing/2014/main" id="{15EB104F-F0F4-491F-89F1-197D4BD14D19}"/>
+              </a:ext>
+            </a:extLst>
+          </p:cNvPr>
+          <p:cNvCxnSpPr>
+            <a:stCxn id="6" idx="0"/>
+            <a:endCxn id="3" idx="4"/>
+          </p:cNvCxnSpPr>
+          <p:nvPr/>
+        </p:nvCxnSpPr>
+        <p:spPr>
+          <a:xfrm flipV="1">
+            <a:off x="5662125" y="3223726"/>
+            <a:ext cx="1" cy="1859902"/>
+          </a:xfrm>
+          <a:prstGeom prst="straightConnector1">
+            <a:avLst/>
+          </a:prstGeom>
+          <a:ln>
+            <a:tailEnd type="triangle"/>
+          </a:ln>
+        </p:spPr>
+        <p:style>
+          <a:lnRef idx="1">
+            <a:schemeClr val="accent1"/>
+          </a:lnRef>
+          <a:fillRef idx="0">
+            <a:schemeClr val="accent1"/>
+          </a:fillRef>
+          <a:effectRef idx="0">
+            <a:schemeClr val="accent1"/>
+          </a:effectRef>
+          <a:fontRef idx="minor">
+            <a:schemeClr val="tx1"/>
+          </a:fontRef>
+        </p:style>
+      </p:cxnSp>
+      <p:sp>
+        <p:nvSpPr>
+          <p:cNvPr id="29" name="TextBox 28">
+            <a:extLst>
+              <a:ext uri="{FF2B5EF4-FFF2-40B4-BE49-F238E27FC236}">
+                <a16:creationId xmlns:a16="http://schemas.microsoft.com/office/drawing/2014/main" id="{394067A8-832E-447F-9492-341916F2BEAE}"/>
+              </a:ext>
+            </a:extLst>
+          </p:cNvPr>
+          <p:cNvSpPr txBox="1"/>
+          <p:nvPr/>
+        </p:nvSpPr>
+        <p:spPr>
+          <a:xfrm>
+            <a:off x="5644370" y="3955015"/>
+            <a:ext cx="301686" cy="369332"/>
+          </a:xfrm>
+          <a:prstGeom prst="rect">
+            <a:avLst/>
+          </a:prstGeom>
+          <a:noFill/>
+        </p:spPr>
+        <p:txBody>
+          <a:bodyPr wrap="none" rtlCol="0">
+            <a:spAutoFit/>
+          </a:bodyPr>
+          <a:lstStyle/>
+          <a:p>
+            <a:r>
+              <a:rPr lang="en-US" dirty="0"/>
+              <a:t>5</a:t>
+            </a:r>
+            <a:endParaRPr lang="en-GB" dirty="0"/>
+          </a:p>
+        </p:txBody>
+      </p:sp>
+      <p:sp>
+        <p:nvSpPr>
+          <p:cNvPr id="30" name="TextBox 29">
+            <a:extLst>
+              <a:ext uri="{FF2B5EF4-FFF2-40B4-BE49-F238E27FC236}">
+                <a16:creationId xmlns:a16="http://schemas.microsoft.com/office/drawing/2014/main" id="{573AA4E6-4659-4B39-B67B-B851B7DFE6A5}"/>
+              </a:ext>
+            </a:extLst>
+          </p:cNvPr>
+          <p:cNvSpPr txBox="1"/>
+          <p:nvPr/>
+        </p:nvSpPr>
+        <p:spPr>
+          <a:xfrm>
+            <a:off x="9030476" y="3888146"/>
+            <a:ext cx="301686" cy="369332"/>
+          </a:xfrm>
+          <a:prstGeom prst="rect">
+            <a:avLst/>
+          </a:prstGeom>
+          <a:noFill/>
+        </p:spPr>
+        <p:txBody>
+          <a:bodyPr wrap="none" rtlCol="0">
+            <a:spAutoFit/>
+          </a:bodyPr>
+          <a:lstStyle/>
+          <a:p>
+            <a:r>
+              <a:rPr lang="en-US" dirty="0"/>
+              <a:t>5</a:t>
+            </a:r>
+            <a:endParaRPr lang="en-GB" dirty="0"/>
+          </a:p>
+        </p:txBody>
+      </p:sp>
+      <p:sp>
+        <p:nvSpPr>
+          <p:cNvPr id="31" name="TextBox 30">
+            <a:extLst>
+              <a:ext uri="{FF2B5EF4-FFF2-40B4-BE49-F238E27FC236}">
+                <a16:creationId xmlns:a16="http://schemas.microsoft.com/office/drawing/2014/main" id="{4602B37B-7AE5-4661-B920-C2F79E66C55A}"/>
+              </a:ext>
+            </a:extLst>
+          </p:cNvPr>
+          <p:cNvSpPr txBox="1"/>
+          <p:nvPr/>
+        </p:nvSpPr>
+        <p:spPr>
+          <a:xfrm>
+            <a:off x="7301076" y="5083628"/>
+            <a:ext cx="301686" cy="369332"/>
+          </a:xfrm>
+          <a:prstGeom prst="rect">
+            <a:avLst/>
+          </a:prstGeom>
+          <a:noFill/>
+        </p:spPr>
+        <p:txBody>
+          <a:bodyPr wrap="none" rtlCol="0">
+            <a:spAutoFit/>
+          </a:bodyPr>
+          <a:lstStyle/>
+          <a:p>
+            <a:r>
+              <a:rPr lang="en-US" dirty="0"/>
+              <a:t>5</a:t>
+            </a:r>
+            <a:endParaRPr lang="en-GB" dirty="0"/>
+          </a:p>
+        </p:txBody>
+      </p:sp>
+      <p:sp>
+        <p:nvSpPr>
+          <p:cNvPr id="32" name="TextBox 31">
+            <a:extLst>
+              <a:ext uri="{FF2B5EF4-FFF2-40B4-BE49-F238E27FC236}">
+                <a16:creationId xmlns:a16="http://schemas.microsoft.com/office/drawing/2014/main" id="{2F086594-D888-4C7A-BBF2-5A9F6F724EA9}"/>
+              </a:ext>
+            </a:extLst>
+          </p:cNvPr>
+          <p:cNvSpPr txBox="1"/>
+          <p:nvPr/>
+        </p:nvSpPr>
+        <p:spPr>
+          <a:xfrm>
+            <a:off x="7191702" y="1835030"/>
+            <a:ext cx="418704" cy="369332"/>
+          </a:xfrm>
+          <a:prstGeom prst="rect">
+            <a:avLst/>
+          </a:prstGeom>
+          <a:noFill/>
+        </p:spPr>
+        <p:txBody>
+          <a:bodyPr wrap="none" rtlCol="0">
+            <a:spAutoFit/>
+          </a:bodyPr>
+          <a:lstStyle/>
+          <a:p>
+            <a:r>
+              <a:rPr lang="en-US" dirty="0"/>
+              <a:t>10</a:t>
+            </a:r>
+            <a:endParaRPr lang="en-GB" dirty="0"/>
+          </a:p>
+        </p:txBody>
+      </p:sp>
+      <p:sp>
+        <p:nvSpPr>
+          <p:cNvPr id="33" name="TextBox 32">
+            <a:extLst>
+              <a:ext uri="{FF2B5EF4-FFF2-40B4-BE49-F238E27FC236}">
+                <a16:creationId xmlns:a16="http://schemas.microsoft.com/office/drawing/2014/main" id="{67868DE2-0D3A-47B2-A161-1EB5F41F5A37}"/>
+              </a:ext>
+            </a:extLst>
+          </p:cNvPr>
+          <p:cNvSpPr txBox="1"/>
+          <p:nvPr/>
+        </p:nvSpPr>
+        <p:spPr>
+          <a:xfrm>
+            <a:off x="7240682" y="3115778"/>
+            <a:ext cx="418704" cy="369332"/>
+          </a:xfrm>
+          <a:prstGeom prst="rect">
+            <a:avLst/>
+          </a:prstGeom>
+          <a:noFill/>
+        </p:spPr>
+        <p:txBody>
+          <a:bodyPr wrap="none" rtlCol="0">
+            <a:spAutoFit/>
+          </a:bodyPr>
+          <a:lstStyle/>
+          <a:p>
+            <a:r>
+              <a:rPr lang="en-US" dirty="0"/>
+              <a:t>20</a:t>
+            </a:r>
+            <a:endParaRPr lang="en-GB" dirty="0"/>
+          </a:p>
+        </p:txBody>
+      </p:sp>
+      <p:cxnSp>
+        <p:nvCxnSpPr>
+          <p:cNvPr id="35" name="Straight Arrow Connector 34">
+            <a:extLst>
+              <a:ext uri="{FF2B5EF4-FFF2-40B4-BE49-F238E27FC236}">
+                <a16:creationId xmlns:a16="http://schemas.microsoft.com/office/drawing/2014/main" id="{D8E1E9D4-69F3-4FE1-B9C4-079E43A131A3}"/>
+              </a:ext>
+            </a:extLst>
+          </p:cNvPr>
+          <p:cNvCxnSpPr>
+            <a:stCxn id="3" idx="2"/>
+            <a:endCxn id="2" idx="6"/>
+          </p:cNvCxnSpPr>
+          <p:nvPr/>
+        </p:nvCxnSpPr>
+        <p:spPr>
+          <a:xfrm flipH="1">
+            <a:off x="2929811" y="2855167"/>
+            <a:ext cx="2345094" cy="0"/>
+          </a:xfrm>
+          <a:prstGeom prst="straightConnector1">
+            <a:avLst/>
+          </a:prstGeom>
+          <a:ln>
+            <a:headEnd type="triangle"/>
+            <a:tailEnd type="triangle"/>
+          </a:ln>
+        </p:spPr>
+        <p:style>
+          <a:lnRef idx="1">
+            <a:schemeClr val="accent1"/>
+          </a:lnRef>
+          <a:fillRef idx="0">
+            <a:schemeClr val="accent1"/>
+          </a:fillRef>
+          <a:effectRef idx="0">
+            <a:schemeClr val="accent1"/>
+          </a:effectRef>
+          <a:fontRef idx="minor">
+            <a:schemeClr val="tx1"/>
+          </a:fontRef>
+        </p:style>
+      </p:cxnSp>
+      <p:sp>
+        <p:nvSpPr>
+          <p:cNvPr id="36" name="TextBox 35">
+            <a:extLst>
+              <a:ext uri="{FF2B5EF4-FFF2-40B4-BE49-F238E27FC236}">
+                <a16:creationId xmlns:a16="http://schemas.microsoft.com/office/drawing/2014/main" id="{DD96251F-D941-49ED-9825-2D5353A5D612}"/>
+              </a:ext>
+            </a:extLst>
+          </p:cNvPr>
+          <p:cNvSpPr txBox="1"/>
+          <p:nvPr/>
+        </p:nvSpPr>
+        <p:spPr>
+          <a:xfrm>
+            <a:off x="4218185" y="523819"/>
+            <a:ext cx="2350387" cy="369332"/>
+          </a:xfrm>
+          <a:prstGeom prst="rect">
+            <a:avLst/>
+          </a:prstGeom>
+          <a:noFill/>
+        </p:spPr>
+        <p:txBody>
+          <a:bodyPr wrap="none" rtlCol="0">
+            <a:spAutoFit/>
+          </a:bodyPr>
+          <a:lstStyle/>
+          <a:p>
+            <a:r>
+              <a:rPr lang="en-US" dirty="0"/>
+              <a:t>Medium Graph Sample</a:t>
+            </a:r>
+            <a:endParaRPr lang="en-GB" dirty="0"/>
+          </a:p>
+        </p:txBody>
+      </p:sp>
+    </p:spTree>
+    <p:extLst>
+      <p:ext uri="{BB962C8B-B14F-4D97-AF65-F5344CB8AC3E}">
+        <p14:creationId xmlns:p14="http://schemas.microsoft.com/office/powerpoint/2010/main" val="1209566586"/>
+      </p:ext>
+    </p:extLst>
+  </p:cSld>
+  <p:clrMapOvr>
+    <a:masterClrMapping/>
+  </p:clrMapOvr>
+</p:sld>
+</file>
+
+<file path=ppt/slides/slide3.xml><?xml version="1.0" encoding="utf-8"?>
+<p:sld xmlns:a="http://schemas.openxmlformats.org/drawingml/2006/main" xmlns:r="http://schemas.openxmlformats.org/officeDocument/2006/relationships" xmlns:p="http://schemas.openxmlformats.org/presentationml/2006/main">
+  <p:cSld>
+    <p:spTree>
+      <p:nvGrpSpPr>
+        <p:cNvPr id="1" name=""/>
+        <p:cNvGrpSpPr/>
+        <p:nvPr/>
+      </p:nvGrpSpPr>
+      <p:grpSpPr>
+        <a:xfrm>
+          <a:off x="0" y="0"/>
+          <a:ext cx="0" cy="0"/>
+          <a:chOff x="0" y="0"/>
+          <a:chExt cx="0" cy="0"/>
+        </a:xfrm>
+      </p:grpSpPr>
+      <p:sp>
+        <p:nvSpPr>
+          <p:cNvPr id="2" name="Oval 1">
+            <a:extLst>
+              <a:ext uri="{FF2B5EF4-FFF2-40B4-BE49-F238E27FC236}">
+                <a16:creationId xmlns:a16="http://schemas.microsoft.com/office/drawing/2014/main" id="{6179C4B6-FF72-4EA6-84A2-53D2C161B6D9}"/>
               </a:ext>
             </a:extLst>
           </p:cNvPr>
@@ -4397,7 +5535,7 @@
         </p:nvSpPr>
         <p:spPr>
           <a:xfrm>
-            <a:off x="4895460" y="5456853"/>
+            <a:off x="2995125" y="3620278"/>
             <a:ext cx="774441" cy="737118"/>
           </a:xfrm>
           <a:prstGeom prst="ellipse">
@@ -4427,7 +5565,7 @@
             <a:pPr algn="ctr"/>
             <a:r>
               <a:rPr lang="en-US" dirty="0"/>
-              <a:t>G</a:t>
+              <a:t>B</a:t>
             </a:r>
             <a:endParaRPr lang="en-GB" dirty="0"/>
           </a:p>
@@ -4435,10 +5573,10 @@
       </p:sp>
       <p:sp>
         <p:nvSpPr>
-          <p:cNvPr id="8" name="Oval 7">
-            <a:extLst>
-              <a:ext uri="{FF2B5EF4-FFF2-40B4-BE49-F238E27FC236}">
-                <a16:creationId xmlns:a16="http://schemas.microsoft.com/office/drawing/2014/main" id="{BAD0CB1A-9EDB-4A1F-8DFC-99B88D0A603C}"/>
+          <p:cNvPr id="3" name="Oval 2">
+            <a:extLst>
+              <a:ext uri="{FF2B5EF4-FFF2-40B4-BE49-F238E27FC236}">
+                <a16:creationId xmlns:a16="http://schemas.microsoft.com/office/drawing/2014/main" id="{A2F91049-BBD6-4E5E-A1FD-C4FB497DF2E0}"/>
               </a:ext>
             </a:extLst>
           </p:cNvPr>
@@ -4447,7 +5585,7 @@
         </p:nvSpPr>
         <p:spPr>
           <a:xfrm>
-            <a:off x="1300064" y="1995196"/>
+            <a:off x="4895459" y="1995196"/>
             <a:ext cx="774441" cy="737118"/>
           </a:xfrm>
           <a:prstGeom prst="ellipse">
@@ -4477,7 +5615,7 @@
             <a:pPr algn="ctr"/>
             <a:r>
               <a:rPr lang="en-US" dirty="0"/>
-              <a:t>A</a:t>
+              <a:t>C</a:t>
             </a:r>
             <a:endParaRPr lang="en-GB" dirty="0"/>
           </a:p>
@@ -4485,10 +5623,10 @@
       </p:sp>
       <p:sp>
         <p:nvSpPr>
-          <p:cNvPr id="9" name="Oval 8">
-            <a:extLst>
-              <a:ext uri="{FF2B5EF4-FFF2-40B4-BE49-F238E27FC236}">
-                <a16:creationId xmlns:a16="http://schemas.microsoft.com/office/drawing/2014/main" id="{82F9E0AD-845B-4E0E-AE7B-BE7C98A9734F}"/>
+          <p:cNvPr id="4" name="Oval 3">
+            <a:extLst>
+              <a:ext uri="{FF2B5EF4-FFF2-40B4-BE49-F238E27FC236}">
+                <a16:creationId xmlns:a16="http://schemas.microsoft.com/office/drawing/2014/main" id="{ACE331A9-3E89-487A-B5A9-2043F2715D18}"/>
               </a:ext>
             </a:extLst>
           </p:cNvPr>
@@ -4497,7 +5635,7 @@
         </p:nvSpPr>
         <p:spPr>
           <a:xfrm>
-            <a:off x="1300064" y="5456853"/>
+            <a:off x="7716415" y="1995196"/>
             <a:ext cx="774441" cy="737118"/>
           </a:xfrm>
           <a:prstGeom prst="ellipse">
@@ -4527,6 +5665,256 @@
             <a:pPr algn="ctr"/>
             <a:r>
               <a:rPr lang="en-US" dirty="0"/>
+              <a:t>D</a:t>
+            </a:r>
+            <a:endParaRPr lang="en-GB" dirty="0"/>
+          </a:p>
+        </p:txBody>
+      </p:sp>
+      <p:sp>
+        <p:nvSpPr>
+          <p:cNvPr id="5" name="Oval 4">
+            <a:extLst>
+              <a:ext uri="{FF2B5EF4-FFF2-40B4-BE49-F238E27FC236}">
+                <a16:creationId xmlns:a16="http://schemas.microsoft.com/office/drawing/2014/main" id="{C6E0F6C2-D3C3-41B4-83EB-FBC203A9CAF7}"/>
+              </a:ext>
+            </a:extLst>
+          </p:cNvPr>
+          <p:cNvSpPr/>
+          <p:nvPr/>
+        </p:nvSpPr>
+        <p:spPr>
+          <a:xfrm>
+            <a:off x="9358603" y="3620278"/>
+            <a:ext cx="774441" cy="737118"/>
+          </a:xfrm>
+          <a:prstGeom prst="ellipse">
+            <a:avLst/>
+          </a:prstGeom>
+        </p:spPr>
+        <p:style>
+          <a:lnRef idx="2">
+            <a:schemeClr val="accent1">
+              <a:shade val="50000"/>
+            </a:schemeClr>
+          </a:lnRef>
+          <a:fillRef idx="1">
+            <a:schemeClr val="accent1"/>
+          </a:fillRef>
+          <a:effectRef idx="0">
+            <a:schemeClr val="accent1"/>
+          </a:effectRef>
+          <a:fontRef idx="minor">
+            <a:schemeClr val="lt1"/>
+          </a:fontRef>
+        </p:style>
+        <p:txBody>
+          <a:bodyPr rtlCol="0" anchor="ctr"/>
+          <a:lstStyle/>
+          <a:p>
+            <a:pPr algn="ctr"/>
+            <a:r>
+              <a:rPr lang="en-US" dirty="0"/>
+              <a:t>E</a:t>
+            </a:r>
+            <a:endParaRPr lang="en-GB" dirty="0"/>
+          </a:p>
+        </p:txBody>
+      </p:sp>
+      <p:sp>
+        <p:nvSpPr>
+          <p:cNvPr id="6" name="Oval 5">
+            <a:extLst>
+              <a:ext uri="{FF2B5EF4-FFF2-40B4-BE49-F238E27FC236}">
+                <a16:creationId xmlns:a16="http://schemas.microsoft.com/office/drawing/2014/main" id="{E056B85C-D004-4282-A20A-C510D3DE511E}"/>
+              </a:ext>
+            </a:extLst>
+          </p:cNvPr>
+          <p:cNvSpPr/>
+          <p:nvPr/>
+        </p:nvSpPr>
+        <p:spPr>
+          <a:xfrm>
+            <a:off x="7716415" y="5456853"/>
+            <a:ext cx="774441" cy="737118"/>
+          </a:xfrm>
+          <a:prstGeom prst="ellipse">
+            <a:avLst/>
+          </a:prstGeom>
+        </p:spPr>
+        <p:style>
+          <a:lnRef idx="2">
+            <a:schemeClr val="accent1">
+              <a:shade val="50000"/>
+            </a:schemeClr>
+          </a:lnRef>
+          <a:fillRef idx="1">
+            <a:schemeClr val="accent1"/>
+          </a:fillRef>
+          <a:effectRef idx="0">
+            <a:schemeClr val="accent1"/>
+          </a:effectRef>
+          <a:fontRef idx="minor">
+            <a:schemeClr val="lt1"/>
+          </a:fontRef>
+        </p:style>
+        <p:txBody>
+          <a:bodyPr rtlCol="0" anchor="ctr"/>
+          <a:lstStyle/>
+          <a:p>
+            <a:pPr algn="ctr"/>
+            <a:r>
+              <a:rPr lang="en-US" dirty="0"/>
+              <a:t>F</a:t>
+            </a:r>
+            <a:endParaRPr lang="en-GB" dirty="0"/>
+          </a:p>
+        </p:txBody>
+      </p:sp>
+      <p:sp>
+        <p:nvSpPr>
+          <p:cNvPr id="7" name="Oval 6">
+            <a:extLst>
+              <a:ext uri="{FF2B5EF4-FFF2-40B4-BE49-F238E27FC236}">
+                <a16:creationId xmlns:a16="http://schemas.microsoft.com/office/drawing/2014/main" id="{EB262F96-4B9E-4E7A-8935-DD515D6E2CC4}"/>
+              </a:ext>
+            </a:extLst>
+          </p:cNvPr>
+          <p:cNvSpPr/>
+          <p:nvPr/>
+        </p:nvSpPr>
+        <p:spPr>
+          <a:xfrm>
+            <a:off x="4895460" y="5456853"/>
+            <a:ext cx="774441" cy="737118"/>
+          </a:xfrm>
+          <a:prstGeom prst="ellipse">
+            <a:avLst/>
+          </a:prstGeom>
+        </p:spPr>
+        <p:style>
+          <a:lnRef idx="2">
+            <a:schemeClr val="accent1">
+              <a:shade val="50000"/>
+            </a:schemeClr>
+          </a:lnRef>
+          <a:fillRef idx="1">
+            <a:schemeClr val="accent1"/>
+          </a:fillRef>
+          <a:effectRef idx="0">
+            <a:schemeClr val="accent1"/>
+          </a:effectRef>
+          <a:fontRef idx="minor">
+            <a:schemeClr val="lt1"/>
+          </a:fontRef>
+        </p:style>
+        <p:txBody>
+          <a:bodyPr rtlCol="0" anchor="ctr"/>
+          <a:lstStyle/>
+          <a:p>
+            <a:pPr algn="ctr"/>
+            <a:r>
+              <a:rPr lang="en-US" dirty="0"/>
+              <a:t>G</a:t>
+            </a:r>
+            <a:endParaRPr lang="en-GB" dirty="0"/>
+          </a:p>
+        </p:txBody>
+      </p:sp>
+      <p:sp>
+        <p:nvSpPr>
+          <p:cNvPr id="8" name="Oval 7">
+            <a:extLst>
+              <a:ext uri="{FF2B5EF4-FFF2-40B4-BE49-F238E27FC236}">
+                <a16:creationId xmlns:a16="http://schemas.microsoft.com/office/drawing/2014/main" id="{BAD0CB1A-9EDB-4A1F-8DFC-99B88D0A603C}"/>
+              </a:ext>
+            </a:extLst>
+          </p:cNvPr>
+          <p:cNvSpPr/>
+          <p:nvPr/>
+        </p:nvSpPr>
+        <p:spPr>
+          <a:xfrm>
+            <a:off x="1300064" y="1995196"/>
+            <a:ext cx="774441" cy="737118"/>
+          </a:xfrm>
+          <a:prstGeom prst="ellipse">
+            <a:avLst/>
+          </a:prstGeom>
+        </p:spPr>
+        <p:style>
+          <a:lnRef idx="2">
+            <a:schemeClr val="accent1">
+              <a:shade val="50000"/>
+            </a:schemeClr>
+          </a:lnRef>
+          <a:fillRef idx="1">
+            <a:schemeClr val="accent1"/>
+          </a:fillRef>
+          <a:effectRef idx="0">
+            <a:schemeClr val="accent1"/>
+          </a:effectRef>
+          <a:fontRef idx="minor">
+            <a:schemeClr val="lt1"/>
+          </a:fontRef>
+        </p:style>
+        <p:txBody>
+          <a:bodyPr rtlCol="0" anchor="ctr"/>
+          <a:lstStyle/>
+          <a:p>
+            <a:pPr algn="ctr"/>
+            <a:r>
+              <a:rPr lang="en-US" dirty="0"/>
+              <a:t>A</a:t>
+            </a:r>
+            <a:endParaRPr lang="en-GB" dirty="0"/>
+          </a:p>
+        </p:txBody>
+      </p:sp>
+      <p:sp>
+        <p:nvSpPr>
+          <p:cNvPr id="9" name="Oval 8">
+            <a:extLst>
+              <a:ext uri="{FF2B5EF4-FFF2-40B4-BE49-F238E27FC236}">
+                <a16:creationId xmlns:a16="http://schemas.microsoft.com/office/drawing/2014/main" id="{82F9E0AD-845B-4E0E-AE7B-BE7C98A9734F}"/>
+              </a:ext>
+            </a:extLst>
+          </p:cNvPr>
+          <p:cNvSpPr/>
+          <p:nvPr/>
+        </p:nvSpPr>
+        <p:spPr>
+          <a:xfrm>
+            <a:off x="1300064" y="5456853"/>
+            <a:ext cx="774441" cy="737118"/>
+          </a:xfrm>
+          <a:prstGeom prst="ellipse">
+            <a:avLst/>
+          </a:prstGeom>
+        </p:spPr>
+        <p:style>
+          <a:lnRef idx="2">
+            <a:schemeClr val="accent1">
+              <a:shade val="50000"/>
+            </a:schemeClr>
+          </a:lnRef>
+          <a:fillRef idx="1">
+            <a:schemeClr val="accent1"/>
+          </a:fillRef>
+          <a:effectRef idx="0">
+            <a:schemeClr val="accent1"/>
+          </a:effectRef>
+          <a:fontRef idx="minor">
+            <a:schemeClr val="lt1"/>
+          </a:fontRef>
+        </p:style>
+        <p:txBody>
+          <a:bodyPr rtlCol="0" anchor="ctr"/>
+          <a:lstStyle/>
+          <a:p>
+            <a:pPr algn="ctr"/>
+            <a:r>
+              <a:rPr lang="en-US" dirty="0"/>
               <a:t>H</a:t>
             </a:r>
             <a:endParaRPr lang="en-GB" dirty="0"/>
@@ -4556,7 +5944,7 @@
           <a:prstGeom prst="straightConnector1">
             <a:avLst/>
           </a:prstGeom>
-          <a:ln>
+          <a:ln w="12700">
             <a:tailEnd type="triangle"/>
           </a:ln>
         </p:spPr>
@@ -4598,7 +5986,7 @@
           <a:prstGeom prst="straightConnector1">
             <a:avLst/>
           </a:prstGeom>
-          <a:ln>
+          <a:ln w="12700">
             <a:tailEnd type="triangle"/>
           </a:ln>
         </p:spPr>
@@ -4640,7 +6028,7 @@
           <a:prstGeom prst="straightConnector1">
             <a:avLst/>
           </a:prstGeom>
-          <a:ln>
+          <a:ln w="12700">
             <a:tailEnd type="triangle"/>
           </a:ln>
         </p:spPr>
@@ -4684,7 +6072,7 @@
               <a:gd name="adj1" fmla="val 2649984"/>
             </a:avLst>
           </a:prstGeom>
-          <a:ln>
+          <a:ln w="12700">
             <a:tailEnd type="triangle"/>
           </a:ln>
         </p:spPr>
@@ -4729,7 +6117,7 @@
               <a:gd name="adj1" fmla="val 2649984"/>
             </a:avLst>
           </a:prstGeom>
-          <a:ln>
+          <a:ln w="12700">
             <a:tailEnd type="triangle"/>
           </a:ln>
         </p:spPr>
@@ -4771,7 +6159,7 @@
           <a:prstGeom prst="straightConnector1">
             <a:avLst/>
           </a:prstGeom>
-          <a:ln>
+          <a:ln w="12700">
             <a:headEnd type="triangle"/>
             <a:tailEnd type="triangle"/>
           </a:ln>
@@ -4814,7 +6202,7 @@
           <a:prstGeom prst="straightConnector1">
             <a:avLst/>
           </a:prstGeom>
-          <a:ln>
+          <a:ln w="12700">
             <a:headEnd type="triangle"/>
             <a:tailEnd type="triangle"/>
           </a:ln>
@@ -4857,7 +6245,7 @@
           <a:prstGeom prst="straightConnector1">
             <a:avLst/>
           </a:prstGeom>
-          <a:ln>
+          <a:ln w="12700">
             <a:headEnd type="triangle"/>
             <a:tailEnd type="triangle"/>
           </a:ln>
@@ -4900,7 +6288,7 @@
           <a:prstGeom prst="straightConnector1">
             <a:avLst/>
           </a:prstGeom>
-          <a:ln>
+          <a:ln w="12700">
             <a:tailEnd type="triangle"/>
           </a:ln>
         </p:spPr>
@@ -4942,7 +6330,7 @@
           <a:prstGeom prst="straightConnector1">
             <a:avLst/>
           </a:prstGeom>
-          <a:ln>
+          <a:ln w="12700">
             <a:tailEnd type="triangle"/>
           </a:ln>
         </p:spPr>
